--- a/工具复现.pptx
+++ b/工具复现.pptx
@@ -6,6 +6,19 @@
   </p:sldMasterIdLst>
   <p:sldIdLst>
     <p:sldId id="256" r:id="rId2"/>
+    <p:sldId id="257" r:id="rId3"/>
+    <p:sldId id="258" r:id="rId4"/>
+    <p:sldId id="259" r:id="rId5"/>
+    <p:sldId id="260" r:id="rId6"/>
+    <p:sldId id="261" r:id="rId7"/>
+    <p:sldId id="262" r:id="rId8"/>
+    <p:sldId id="263" r:id="rId9"/>
+    <p:sldId id="264" r:id="rId10"/>
+    <p:sldId id="265" r:id="rId11"/>
+    <p:sldId id="266" r:id="rId12"/>
+    <p:sldId id="267" r:id="rId13"/>
+    <p:sldId id="268" r:id="rId14"/>
+    <p:sldId id="269" r:id="rId15"/>
   </p:sldIdLst>
   <p:sldSz cx="12192000" cy="6858000"/>
   <p:notesSz cx="6858000" cy="9144000"/>
@@ -104,6 +117,11 @@
       </a:defRPr>
     </a:lvl9pPr>
   </p:defaultTextStyle>
+  <p:extLst>
+    <p:ext uri="{EFAFB233-063F-42B5-8137-9DF3F51BA10A}">
+      <p15:sldGuideLst xmlns:p15="http://schemas.microsoft.com/office/powerpoint/2012/main"/>
+    </p:ext>
+  </p:extLst>
 </p:presentation>
 </file>
 
@@ -254,7 +272,7 @@
           <a:p>
             <a:fld id="{C8A78320-4843-4FBA-873F-5C83A718A6A9}" type="datetimeFigureOut">
               <a:rPr lang="zh-CN" altLang="en-US" smtClean="0"/>
-              <a:t>2021/11/27</a:t>
+              <a:t>2021/12/12</a:t>
             </a:fld>
             <a:endParaRPr lang="zh-CN" altLang="en-US"/>
           </a:p>
@@ -452,7 +470,7 @@
           <a:p>
             <a:fld id="{C8A78320-4843-4FBA-873F-5C83A718A6A9}" type="datetimeFigureOut">
               <a:rPr lang="zh-CN" altLang="en-US" smtClean="0"/>
-              <a:t>2021/11/27</a:t>
+              <a:t>2021/12/12</a:t>
             </a:fld>
             <a:endParaRPr lang="zh-CN" altLang="en-US"/>
           </a:p>
@@ -660,7 +678,7 @@
           <a:p>
             <a:fld id="{C8A78320-4843-4FBA-873F-5C83A718A6A9}" type="datetimeFigureOut">
               <a:rPr lang="zh-CN" altLang="en-US" smtClean="0"/>
-              <a:t>2021/11/27</a:t>
+              <a:t>2021/12/12</a:t>
             </a:fld>
             <a:endParaRPr lang="zh-CN" altLang="en-US"/>
           </a:p>
@@ -858,7 +876,7 @@
           <a:p>
             <a:fld id="{C8A78320-4843-4FBA-873F-5C83A718A6A9}" type="datetimeFigureOut">
               <a:rPr lang="zh-CN" altLang="en-US" smtClean="0"/>
-              <a:t>2021/11/27</a:t>
+              <a:t>2021/12/12</a:t>
             </a:fld>
             <a:endParaRPr lang="zh-CN" altLang="en-US"/>
           </a:p>
@@ -1133,7 +1151,7 @@
           <a:p>
             <a:fld id="{C8A78320-4843-4FBA-873F-5C83A718A6A9}" type="datetimeFigureOut">
               <a:rPr lang="zh-CN" altLang="en-US" smtClean="0"/>
-              <a:t>2021/11/27</a:t>
+              <a:t>2021/12/12</a:t>
             </a:fld>
             <a:endParaRPr lang="zh-CN" altLang="en-US"/>
           </a:p>
@@ -1398,7 +1416,7 @@
           <a:p>
             <a:fld id="{C8A78320-4843-4FBA-873F-5C83A718A6A9}" type="datetimeFigureOut">
               <a:rPr lang="zh-CN" altLang="en-US" smtClean="0"/>
-              <a:t>2021/11/27</a:t>
+              <a:t>2021/12/12</a:t>
             </a:fld>
             <a:endParaRPr lang="zh-CN" altLang="en-US"/>
           </a:p>
@@ -1810,7 +1828,7 @@
           <a:p>
             <a:fld id="{C8A78320-4843-4FBA-873F-5C83A718A6A9}" type="datetimeFigureOut">
               <a:rPr lang="zh-CN" altLang="en-US" smtClean="0"/>
-              <a:t>2021/11/27</a:t>
+              <a:t>2021/12/12</a:t>
             </a:fld>
             <a:endParaRPr lang="zh-CN" altLang="en-US"/>
           </a:p>
@@ -1951,7 +1969,7 @@
           <a:p>
             <a:fld id="{C8A78320-4843-4FBA-873F-5C83A718A6A9}" type="datetimeFigureOut">
               <a:rPr lang="zh-CN" altLang="en-US" smtClean="0"/>
-              <a:t>2021/11/27</a:t>
+              <a:t>2021/12/12</a:t>
             </a:fld>
             <a:endParaRPr lang="zh-CN" altLang="en-US"/>
           </a:p>
@@ -2064,7 +2082,7 @@
           <a:p>
             <a:fld id="{C8A78320-4843-4FBA-873F-5C83A718A6A9}" type="datetimeFigureOut">
               <a:rPr lang="zh-CN" altLang="en-US" smtClean="0"/>
-              <a:t>2021/11/27</a:t>
+              <a:t>2021/12/12</a:t>
             </a:fld>
             <a:endParaRPr lang="zh-CN" altLang="en-US"/>
           </a:p>
@@ -2375,7 +2393,7 @@
           <a:p>
             <a:fld id="{C8A78320-4843-4FBA-873F-5C83A718A6A9}" type="datetimeFigureOut">
               <a:rPr lang="zh-CN" altLang="en-US" smtClean="0"/>
-              <a:t>2021/11/27</a:t>
+              <a:t>2021/12/12</a:t>
             </a:fld>
             <a:endParaRPr lang="zh-CN" altLang="en-US"/>
           </a:p>
@@ -2663,7 +2681,7 @@
           <a:p>
             <a:fld id="{C8A78320-4843-4FBA-873F-5C83A718A6A9}" type="datetimeFigureOut">
               <a:rPr lang="zh-CN" altLang="en-US" smtClean="0"/>
-              <a:t>2021/11/27</a:t>
+              <a:t>2021/12/12</a:t>
             </a:fld>
             <a:endParaRPr lang="zh-CN" altLang="en-US"/>
           </a:p>
@@ -2904,7 +2922,7 @@
           <a:p>
             <a:fld id="{C8A78320-4843-4FBA-873F-5C83A718A6A9}" type="datetimeFigureOut">
               <a:rPr lang="zh-CN" altLang="en-US" smtClean="0"/>
-              <a:t>2021/11/27</a:t>
+              <a:t>2021/12/12</a:t>
             </a:fld>
             <a:endParaRPr lang="zh-CN" altLang="en-US"/>
           </a:p>
@@ -3342,7 +3360,39 @@
           <a:bodyPr/>
           <a:lstStyle/>
           <a:p>
-            <a:endParaRPr lang="zh-CN" altLang="en-US"/>
+            <a:r>
+              <a:rPr lang="zh-CN" altLang="en-US" dirty="0">
+                <a:solidFill>
+                  <a:schemeClr val="accent5">
+                    <a:lumMod val="60000"/>
+                    <a:lumOff val="40000"/>
+                  </a:schemeClr>
+                </a:solidFill>
+              </a:rPr>
+              <a:t>基于</a:t>
+            </a:r>
+            <a:r>
+              <a:rPr lang="en-US" altLang="zh-CN" dirty="0">
+                <a:solidFill>
+                  <a:schemeClr val="accent5">
+                    <a:lumMod val="60000"/>
+                    <a:lumOff val="40000"/>
+                  </a:schemeClr>
+                </a:solidFill>
+              </a:rPr>
+              <a:t>ASM</a:t>
+            </a:r>
+            <a:r>
+              <a:rPr lang="zh-CN" altLang="en-US" dirty="0">
+                <a:solidFill>
+                  <a:schemeClr val="accent5">
+                    <a:lumMod val="60000"/>
+                    <a:lumOff val="40000"/>
+                  </a:schemeClr>
+                </a:solidFill>
+              </a:rPr>
+              <a:t>的符号执行工具</a:t>
+            </a:r>
           </a:p>
         </p:txBody>
       </p:sp>
@@ -3367,7 +3417,34 @@
           <a:bodyPr/>
           <a:lstStyle/>
           <a:p>
-            <a:endParaRPr lang="zh-CN" altLang="en-US"/>
+            <a:r>
+              <a:rPr lang="zh-CN" altLang="en-US" dirty="0"/>
+              <a:t>学号：</a:t>
+            </a:r>
+            <a:r>
+              <a:rPr lang="en-US" altLang="zh-CN" dirty="0"/>
+              <a:t>191250110</a:t>
+            </a:r>
+          </a:p>
+          <a:p>
+            <a:r>
+              <a:rPr lang="zh-CN" altLang="en-US" dirty="0"/>
+              <a:t>姓名：庞文昊</a:t>
+            </a:r>
+            <a:endParaRPr lang="en-US" altLang="zh-CN" dirty="0"/>
+          </a:p>
+          <a:p>
+            <a:r>
+              <a:rPr lang="zh-CN" altLang="en-US" dirty="0"/>
+              <a:t>方向：</a:t>
+            </a:r>
+            <a:r>
+              <a:rPr lang="en-US" altLang="zh-CN" dirty="0"/>
+              <a:t>Classical</a:t>
+            </a:r>
+          </a:p>
+          <a:p>
+            <a:endParaRPr lang="zh-CN" altLang="en-US" dirty="0"/>
           </a:p>
         </p:txBody>
       </p:sp>
@@ -3381,6 +3458,2581 @@
   <p:clrMapOvr>
     <a:masterClrMapping/>
   </p:clrMapOvr>
+  <mc:AlternateContent xmlns:mc="http://schemas.openxmlformats.org/markup-compatibility/2006">
+    <mc:Choice xmlns:p14="http://schemas.microsoft.com/office/powerpoint/2010/main" Requires="p14">
+      <p:transition spd="med" p14:dur="700">
+        <p:fade/>
+      </p:transition>
+    </mc:Choice>
+    <mc:Fallback>
+      <p:transition spd="med">
+        <p:fade/>
+      </p:transition>
+    </mc:Fallback>
+  </mc:AlternateContent>
+</p:sld>
+</file>
+
+<file path=ppt/slides/slide10.xml><?xml version="1.0" encoding="utf-8"?>
+<p:sld xmlns:a="http://schemas.openxmlformats.org/drawingml/2006/main" xmlns:r="http://schemas.openxmlformats.org/officeDocument/2006/relationships" xmlns:p="http://schemas.openxmlformats.org/presentationml/2006/main">
+  <p:cSld>
+    <p:spTree>
+      <p:nvGrpSpPr>
+        <p:cNvPr id="1" name=""/>
+        <p:cNvGrpSpPr/>
+        <p:nvPr/>
+      </p:nvGrpSpPr>
+      <p:grpSpPr>
+        <a:xfrm>
+          <a:off x="0" y="0"/>
+          <a:ext cx="0" cy="0"/>
+          <a:chOff x="0" y="0"/>
+          <a:chExt cx="0" cy="0"/>
+        </a:xfrm>
+      </p:grpSpPr>
+      <p:sp>
+        <p:nvSpPr>
+          <p:cNvPr id="2" name="标题 1">
+            <a:extLst>
+              <a:ext uri="{FF2B5EF4-FFF2-40B4-BE49-F238E27FC236}">
+                <a16:creationId xmlns:a16="http://schemas.microsoft.com/office/drawing/2014/main" id="{D6E3F008-7BB6-4971-871D-F9203207FEF3}"/>
+              </a:ext>
+            </a:extLst>
+          </p:cNvPr>
+          <p:cNvSpPr>
+            <a:spLocks noGrp="1"/>
+          </p:cNvSpPr>
+          <p:nvPr>
+            <p:ph type="title"/>
+          </p:nvPr>
+        </p:nvSpPr>
+        <p:spPr/>
+        <p:txBody>
+          <a:bodyPr/>
+          <a:lstStyle/>
+          <a:p>
+            <a:r>
+              <a:rPr lang="zh-CN" altLang="en-US" dirty="0">
+                <a:solidFill>
+                  <a:schemeClr val="accent5">
+                    <a:lumMod val="60000"/>
+                    <a:lumOff val="40000"/>
+                  </a:schemeClr>
+                </a:solidFill>
+              </a:rPr>
+              <a:t>具体实现</a:t>
+            </a:r>
+          </a:p>
+        </p:txBody>
+      </p:sp>
+      <p:sp>
+        <p:nvSpPr>
+          <p:cNvPr id="3" name="内容占位符 2">
+            <a:extLst>
+              <a:ext uri="{FF2B5EF4-FFF2-40B4-BE49-F238E27FC236}">
+                <a16:creationId xmlns:a16="http://schemas.microsoft.com/office/drawing/2014/main" id="{3EAAFAF1-19E0-4040-B37D-91C1AD37B1B0}"/>
+              </a:ext>
+            </a:extLst>
+          </p:cNvPr>
+          <p:cNvSpPr>
+            <a:spLocks noGrp="1"/>
+          </p:cNvSpPr>
+          <p:nvPr>
+            <p:ph idx="1"/>
+          </p:nvPr>
+        </p:nvSpPr>
+        <p:spPr/>
+        <p:txBody>
+          <a:bodyPr/>
+          <a:lstStyle/>
+          <a:p>
+            <a:r>
+              <a:rPr lang="en-US" altLang="zh-CN" dirty="0"/>
+              <a:t>Step1</a:t>
+            </a:r>
+            <a:r>
+              <a:rPr lang="zh-CN" altLang="en-US" dirty="0"/>
+              <a:t>：利用</a:t>
+            </a:r>
+            <a:r>
+              <a:rPr lang="en-US" altLang="zh-CN" dirty="0"/>
+              <a:t>ASM</a:t>
+            </a:r>
+            <a:r>
+              <a:rPr lang="zh-CN" altLang="en-US" dirty="0"/>
+              <a:t>程序分析库完成对目标程序的符号状态分析</a:t>
+            </a:r>
+            <a:endParaRPr lang="en-US" altLang="zh-CN" dirty="0"/>
+          </a:p>
+          <a:p>
+            <a:pPr lvl="1"/>
+            <a:r>
+              <a:rPr lang="zh-CN" altLang="en-US" dirty="0"/>
+              <a:t>本次实验实现了对目标方法的符号执行分析</a:t>
+            </a:r>
+            <a:endParaRPr lang="en-US" altLang="zh-CN" dirty="0"/>
+          </a:p>
+          <a:p>
+            <a:pPr lvl="1"/>
+            <a:r>
+              <a:rPr lang="zh-CN" altLang="en-US" dirty="0"/>
+              <a:t>步骤：</a:t>
+            </a:r>
+            <a:endParaRPr lang="en-US" altLang="zh-CN" dirty="0"/>
+          </a:p>
+          <a:p>
+            <a:pPr marL="1371600" lvl="2" indent="-457200">
+              <a:buAutoNum type="arabicPeriod"/>
+            </a:pPr>
+            <a:r>
+              <a:rPr lang="zh-CN" altLang="en-US" dirty="0"/>
+              <a:t>实现</a:t>
+            </a:r>
+            <a:r>
+              <a:rPr lang="en-US" altLang="zh-CN" dirty="0" err="1">
+                <a:solidFill>
+                  <a:srgbClr val="FF0000"/>
+                </a:solidFill>
+              </a:rPr>
+              <a:t>ClassAnalyzer</a:t>
+            </a:r>
+            <a:r>
+              <a:rPr lang="zh-CN" altLang="en-US" dirty="0"/>
+              <a:t>类，对目标 </a:t>
+            </a:r>
+            <a:r>
+              <a:rPr lang="en-US" altLang="zh-CN" dirty="0"/>
+              <a:t>.class </a:t>
+            </a:r>
+            <a:r>
+              <a:rPr lang="zh-CN" altLang="en-US" dirty="0"/>
+              <a:t>文件进行字节码分析。</a:t>
+            </a:r>
+            <a:r>
+              <a:rPr lang="en-US" altLang="zh-CN" dirty="0" err="1"/>
+              <a:t>ClassAnalyzer</a:t>
+            </a:r>
+            <a:r>
+              <a:rPr lang="zh-CN" altLang="en-US" dirty="0"/>
+              <a:t>类实现了</a:t>
+            </a:r>
+            <a:r>
+              <a:rPr lang="en-US" altLang="zh-CN" dirty="0" err="1">
+                <a:solidFill>
+                  <a:srgbClr val="FF0000"/>
+                </a:solidFill>
+              </a:rPr>
+              <a:t>ClassVisitor</a:t>
+            </a:r>
+            <a:r>
+              <a:rPr lang="zh-CN" altLang="en-US" dirty="0"/>
+              <a:t>接口。</a:t>
+            </a:r>
+            <a:endParaRPr lang="en-US" altLang="zh-CN" dirty="0"/>
+          </a:p>
+          <a:p>
+            <a:pPr marL="1371600" lvl="2" indent="-457200">
+              <a:buAutoNum type="arabicPeriod"/>
+            </a:pPr>
+            <a:r>
+              <a:rPr lang="zh-CN" altLang="en-US" dirty="0"/>
+              <a:t>实现了</a:t>
+            </a:r>
+            <a:r>
+              <a:rPr lang="en-US" altLang="zh-CN" dirty="0" err="1">
+                <a:solidFill>
+                  <a:srgbClr val="FF0000"/>
+                </a:solidFill>
+              </a:rPr>
+              <a:t>MethodAnalyzer</a:t>
+            </a:r>
+            <a:r>
+              <a:rPr lang="zh-CN" altLang="en-US" dirty="0"/>
+              <a:t>，对目标方法进行分析。</a:t>
+            </a:r>
+            <a:r>
+              <a:rPr lang="en-US" altLang="zh-CN" dirty="0" err="1"/>
+              <a:t>MethodAnalyzer</a:t>
+            </a:r>
+            <a:r>
+              <a:rPr lang="zh-CN" altLang="en-US" dirty="0"/>
+              <a:t>类实现了</a:t>
+            </a:r>
+            <a:r>
+              <a:rPr lang="en-US" altLang="zh-CN" dirty="0" err="1">
+                <a:solidFill>
+                  <a:srgbClr val="FF0000"/>
+                </a:solidFill>
+              </a:rPr>
+              <a:t>MethodVisitor</a:t>
+            </a:r>
+            <a:r>
+              <a:rPr lang="zh-CN" altLang="en-US" dirty="0"/>
+              <a:t>接口。</a:t>
+            </a:r>
+            <a:endParaRPr lang="en-US" altLang="zh-CN" dirty="0"/>
+          </a:p>
+          <a:p>
+            <a:pPr marL="1371600" lvl="2" indent="-457200">
+              <a:buAutoNum type="arabicPeriod"/>
+            </a:pPr>
+            <a:endParaRPr lang="en-US" altLang="zh-CN" dirty="0"/>
+          </a:p>
+        </p:txBody>
+      </p:sp>
+    </p:spTree>
+    <p:extLst>
+      <p:ext uri="{BB962C8B-B14F-4D97-AF65-F5344CB8AC3E}">
+        <p14:creationId xmlns:p14="http://schemas.microsoft.com/office/powerpoint/2010/main" val="2383877888"/>
+      </p:ext>
+    </p:extLst>
+  </p:cSld>
+  <p:clrMapOvr>
+    <a:masterClrMapping/>
+  </p:clrMapOvr>
+  <mc:AlternateContent xmlns:mc="http://schemas.openxmlformats.org/markup-compatibility/2006">
+    <mc:Choice xmlns:p14="http://schemas.microsoft.com/office/powerpoint/2010/main" Requires="p14">
+      <p:transition spd="med" p14:dur="700">
+        <p:fade/>
+      </p:transition>
+    </mc:Choice>
+    <mc:Fallback>
+      <p:transition spd="med">
+        <p:fade/>
+      </p:transition>
+    </mc:Fallback>
+  </mc:AlternateContent>
+</p:sld>
+</file>
+
+<file path=ppt/slides/slide11.xml><?xml version="1.0" encoding="utf-8"?>
+<p:sld xmlns:a="http://schemas.openxmlformats.org/drawingml/2006/main" xmlns:r="http://schemas.openxmlformats.org/officeDocument/2006/relationships" xmlns:p="http://schemas.openxmlformats.org/presentationml/2006/main">
+  <p:cSld>
+    <p:spTree>
+      <p:nvGrpSpPr>
+        <p:cNvPr id="1" name=""/>
+        <p:cNvGrpSpPr/>
+        <p:nvPr/>
+      </p:nvGrpSpPr>
+      <p:grpSpPr>
+        <a:xfrm>
+          <a:off x="0" y="0"/>
+          <a:ext cx="0" cy="0"/>
+          <a:chOff x="0" y="0"/>
+          <a:chExt cx="0" cy="0"/>
+        </a:xfrm>
+      </p:grpSpPr>
+      <p:sp>
+        <p:nvSpPr>
+          <p:cNvPr id="2" name="标题 1">
+            <a:extLst>
+              <a:ext uri="{FF2B5EF4-FFF2-40B4-BE49-F238E27FC236}">
+                <a16:creationId xmlns:a16="http://schemas.microsoft.com/office/drawing/2014/main" id="{1D78C94B-A430-45B7-A036-DF00CAA63CDB}"/>
+              </a:ext>
+            </a:extLst>
+          </p:cNvPr>
+          <p:cNvSpPr>
+            <a:spLocks noGrp="1"/>
+          </p:cNvSpPr>
+          <p:nvPr>
+            <p:ph type="title"/>
+          </p:nvPr>
+        </p:nvSpPr>
+        <p:spPr/>
+        <p:txBody>
+          <a:bodyPr/>
+          <a:lstStyle/>
+          <a:p>
+            <a:r>
+              <a:rPr lang="zh-CN" altLang="en-US" dirty="0">
+                <a:solidFill>
+                  <a:srgbClr val="5B9BD5">
+                    <a:lumMod val="60000"/>
+                    <a:lumOff val="40000"/>
+                  </a:srgbClr>
+                </a:solidFill>
+              </a:rPr>
+              <a:t>具体实现</a:t>
+            </a:r>
+            <a:endParaRPr lang="zh-CN" altLang="en-US" dirty="0"/>
+          </a:p>
+        </p:txBody>
+      </p:sp>
+      <p:sp>
+        <p:nvSpPr>
+          <p:cNvPr id="3" name="内容占位符 2">
+            <a:extLst>
+              <a:ext uri="{FF2B5EF4-FFF2-40B4-BE49-F238E27FC236}">
+                <a16:creationId xmlns:a16="http://schemas.microsoft.com/office/drawing/2014/main" id="{B72C1634-6226-4549-BC06-35132D645443}"/>
+              </a:ext>
+            </a:extLst>
+          </p:cNvPr>
+          <p:cNvSpPr>
+            <a:spLocks noGrp="1"/>
+          </p:cNvSpPr>
+          <p:nvPr>
+            <p:ph idx="1"/>
+          </p:nvPr>
+        </p:nvSpPr>
+        <p:spPr/>
+        <p:txBody>
+          <a:bodyPr/>
+          <a:lstStyle/>
+          <a:p>
+            <a:r>
+              <a:rPr lang="en-US" altLang="zh-CN" dirty="0"/>
+              <a:t>Step1</a:t>
+            </a:r>
+            <a:r>
+              <a:rPr lang="zh-CN" altLang="en-US" dirty="0"/>
+              <a:t>：利用</a:t>
+            </a:r>
+            <a:r>
+              <a:rPr lang="en-US" altLang="zh-CN" dirty="0"/>
+              <a:t>ASM</a:t>
+            </a:r>
+            <a:r>
+              <a:rPr lang="zh-CN" altLang="en-US" dirty="0"/>
+              <a:t>程序分析库完成对目标程序的符号状态分析</a:t>
+            </a:r>
+            <a:endParaRPr lang="en-US" altLang="zh-CN" dirty="0"/>
+          </a:p>
+          <a:p>
+            <a:pPr lvl="1"/>
+            <a:r>
+              <a:rPr lang="zh-CN" altLang="en-US" dirty="0"/>
+              <a:t>步骤</a:t>
+            </a:r>
+            <a:r>
+              <a:rPr lang="en-US" altLang="zh-CN" dirty="0"/>
+              <a:t>2</a:t>
+            </a:r>
+            <a:r>
+              <a:rPr lang="zh-CN" altLang="en-US" dirty="0"/>
+              <a:t>：对目标方法的分析时整个</a:t>
+            </a:r>
+            <a:r>
+              <a:rPr lang="en-US" altLang="zh-CN" dirty="0"/>
+              <a:t>ASM</a:t>
+            </a:r>
+            <a:r>
+              <a:rPr lang="zh-CN" altLang="en-US" dirty="0"/>
+              <a:t>分析的关键一步。为了跟踪方法的符号状态，在</a:t>
+            </a:r>
+            <a:r>
+              <a:rPr lang="en-US" altLang="zh-CN" dirty="0" err="1">
+                <a:solidFill>
+                  <a:srgbClr val="FF0000"/>
+                </a:solidFill>
+              </a:rPr>
+              <a:t>MethodAnalyzer</a:t>
+            </a:r>
+            <a:r>
+              <a:rPr lang="zh-CN" altLang="en-US" dirty="0"/>
+              <a:t>类中实现了一个小型的</a:t>
+            </a:r>
+            <a:r>
+              <a:rPr lang="en-US" altLang="zh-CN" dirty="0">
+                <a:solidFill>
+                  <a:srgbClr val="FF0000"/>
+                </a:solidFill>
+              </a:rPr>
+              <a:t>JVM</a:t>
+            </a:r>
+            <a:r>
+              <a:rPr lang="zh-CN" altLang="en-US" dirty="0"/>
+              <a:t>。</a:t>
+            </a:r>
+            <a:endParaRPr lang="en-US" altLang="zh-CN" dirty="0"/>
+          </a:p>
+          <a:p>
+            <a:pPr lvl="2"/>
+            <a:r>
+              <a:rPr lang="zh-CN" altLang="en-US" dirty="0"/>
+              <a:t>在该类里，我们模拟了</a:t>
+            </a:r>
+            <a:r>
+              <a:rPr lang="zh-CN" altLang="en-US" dirty="0">
+                <a:solidFill>
+                  <a:srgbClr val="FF0000"/>
+                </a:solidFill>
+              </a:rPr>
+              <a:t>堆栈</a:t>
+            </a:r>
+            <a:r>
+              <a:rPr lang="zh-CN" altLang="en-US" dirty="0"/>
+              <a:t>的运行，模拟了大量</a:t>
+            </a:r>
+            <a:r>
+              <a:rPr lang="en-US" altLang="zh-CN" dirty="0">
+                <a:solidFill>
+                  <a:srgbClr val="FF0000"/>
+                </a:solidFill>
+              </a:rPr>
+              <a:t>JVM</a:t>
+            </a:r>
+            <a:r>
+              <a:rPr lang="zh-CN" altLang="en-US" dirty="0">
+                <a:solidFill>
+                  <a:srgbClr val="FF0000"/>
+                </a:solidFill>
+              </a:rPr>
+              <a:t>指令</a:t>
+            </a:r>
+            <a:r>
+              <a:rPr lang="zh-CN" altLang="en-US" dirty="0"/>
+              <a:t>，例如：</a:t>
+            </a:r>
+            <a:r>
+              <a:rPr lang="en-US" altLang="zh-CN" dirty="0"/>
+              <a:t>ICONST_0</a:t>
+            </a:r>
+            <a:r>
+              <a:rPr lang="zh-CN" altLang="en-US" dirty="0"/>
+              <a:t>、</a:t>
+            </a:r>
+            <a:r>
+              <a:rPr lang="en-US" altLang="zh-CN" dirty="0"/>
+              <a:t>ICONST_1</a:t>
+            </a:r>
+            <a:r>
+              <a:rPr lang="zh-CN" altLang="en-US" dirty="0"/>
+              <a:t>、</a:t>
+            </a:r>
+            <a:r>
+              <a:rPr lang="en-US" altLang="zh-CN" dirty="0"/>
+              <a:t>ICONST_2</a:t>
+            </a:r>
+            <a:r>
+              <a:rPr lang="zh-CN" altLang="en-US" dirty="0"/>
+              <a:t>、</a:t>
+            </a:r>
+            <a:r>
+              <a:rPr lang="en-US" altLang="zh-CN" dirty="0"/>
+              <a:t>ICONST_3</a:t>
+            </a:r>
+            <a:r>
+              <a:rPr lang="zh-CN" altLang="en-US" dirty="0"/>
+              <a:t>、</a:t>
+            </a:r>
+            <a:r>
+              <a:rPr lang="en-US" altLang="zh-CN" dirty="0"/>
+              <a:t>ICONST_4</a:t>
+            </a:r>
+            <a:r>
+              <a:rPr lang="zh-CN" altLang="en-US" dirty="0"/>
+              <a:t>、</a:t>
+            </a:r>
+            <a:r>
+              <a:rPr lang="en-US" altLang="zh-CN" dirty="0"/>
+              <a:t>ICONST_5</a:t>
+            </a:r>
+            <a:r>
+              <a:rPr lang="zh-CN" altLang="en-US" dirty="0"/>
+              <a:t>、</a:t>
+            </a:r>
+            <a:r>
+              <a:rPr lang="en-US" altLang="zh-CN" dirty="0"/>
+              <a:t>ICONST_M1</a:t>
+            </a:r>
+            <a:r>
+              <a:rPr lang="zh-CN" altLang="en-US" dirty="0"/>
+              <a:t>、</a:t>
+            </a:r>
+            <a:r>
+              <a:rPr lang="en-US" altLang="zh-CN" dirty="0"/>
+              <a:t>IADD</a:t>
+            </a:r>
+            <a:r>
+              <a:rPr lang="zh-CN" altLang="en-US" dirty="0"/>
+              <a:t>、</a:t>
+            </a:r>
+            <a:r>
+              <a:rPr lang="en-US" altLang="zh-CN" dirty="0"/>
+              <a:t>ISUB</a:t>
+            </a:r>
+            <a:r>
+              <a:rPr lang="zh-CN" altLang="en-US" dirty="0"/>
+              <a:t>、</a:t>
+            </a:r>
+            <a:r>
+              <a:rPr lang="en-US" altLang="zh-CN" dirty="0"/>
+              <a:t>IMUL</a:t>
+            </a:r>
+            <a:r>
+              <a:rPr lang="zh-CN" altLang="en-US" dirty="0"/>
+              <a:t>、</a:t>
+            </a:r>
+            <a:r>
+              <a:rPr lang="en-US" altLang="zh-CN" dirty="0"/>
+              <a:t>IDIV</a:t>
+            </a:r>
+            <a:r>
+              <a:rPr lang="zh-CN" altLang="en-US" dirty="0"/>
+              <a:t>、</a:t>
+            </a:r>
+            <a:r>
+              <a:rPr lang="en-US" altLang="zh-CN" dirty="0"/>
+              <a:t>GOTO</a:t>
+            </a:r>
+            <a:r>
+              <a:rPr lang="zh-CN" altLang="en-US" dirty="0"/>
+              <a:t>、</a:t>
+            </a:r>
+            <a:r>
+              <a:rPr lang="en-US" altLang="zh-CN" dirty="0"/>
+              <a:t>ILOAD</a:t>
+            </a:r>
+            <a:r>
+              <a:rPr lang="zh-CN" altLang="en-US" dirty="0"/>
+              <a:t>、</a:t>
+            </a:r>
+            <a:r>
+              <a:rPr lang="en-US" altLang="zh-CN" dirty="0"/>
+              <a:t>ISTORE</a:t>
+            </a:r>
+            <a:r>
+              <a:rPr lang="zh-CN" altLang="en-US" dirty="0"/>
+              <a:t>、</a:t>
+            </a:r>
+            <a:r>
+              <a:rPr lang="en-US" altLang="zh-CN" dirty="0"/>
+              <a:t>IFNE</a:t>
+            </a:r>
+            <a:r>
+              <a:rPr lang="zh-CN" altLang="en-US" dirty="0"/>
+              <a:t>、</a:t>
+            </a:r>
+            <a:r>
+              <a:rPr lang="en-US" altLang="zh-CN" dirty="0"/>
+              <a:t>IFEQ</a:t>
+            </a:r>
+            <a:r>
+              <a:rPr lang="zh-CN" altLang="en-US" dirty="0"/>
+              <a:t>、</a:t>
+            </a:r>
+            <a:r>
+              <a:rPr lang="en-US" altLang="zh-CN" dirty="0"/>
+              <a:t>IFGE</a:t>
+            </a:r>
+            <a:r>
+              <a:rPr lang="zh-CN" altLang="en-US" dirty="0"/>
+              <a:t>、</a:t>
+            </a:r>
+            <a:r>
+              <a:rPr lang="en-US" altLang="zh-CN" dirty="0"/>
+              <a:t>IFLT</a:t>
+            </a:r>
+            <a:r>
+              <a:rPr lang="zh-CN" altLang="en-US" dirty="0"/>
+              <a:t>、</a:t>
+            </a:r>
+            <a:r>
+              <a:rPr lang="en-US" altLang="zh-CN" dirty="0"/>
+              <a:t>IFLE</a:t>
+            </a:r>
+            <a:r>
+              <a:rPr lang="zh-CN" altLang="en-US" dirty="0"/>
+              <a:t>、</a:t>
+            </a:r>
+            <a:r>
+              <a:rPr lang="en-US" altLang="zh-CN" dirty="0"/>
+              <a:t>IFGE</a:t>
+            </a:r>
+            <a:r>
+              <a:rPr lang="zh-CN" altLang="en-US" dirty="0"/>
+              <a:t>、</a:t>
+            </a:r>
+            <a:r>
+              <a:rPr lang="en-US" altLang="zh-CN" dirty="0"/>
+              <a:t> IF_ICMPNE</a:t>
+            </a:r>
+            <a:r>
+              <a:rPr lang="zh-CN" altLang="en-US" dirty="0"/>
+              <a:t>、</a:t>
+            </a:r>
+            <a:r>
+              <a:rPr lang="en-US" altLang="zh-CN" dirty="0"/>
+              <a:t>IF_ICMPEQ</a:t>
+            </a:r>
+            <a:r>
+              <a:rPr lang="zh-CN" altLang="en-US" dirty="0"/>
+              <a:t>、</a:t>
+            </a:r>
+            <a:r>
+              <a:rPr lang="en-US" altLang="zh-CN" dirty="0"/>
+              <a:t>IF_ICMPGE</a:t>
+            </a:r>
+            <a:r>
+              <a:rPr lang="zh-CN" altLang="en-US" dirty="0"/>
+              <a:t>、</a:t>
+            </a:r>
+            <a:r>
+              <a:rPr lang="en-US" altLang="zh-CN" dirty="0"/>
+              <a:t>IF_ICMPLT</a:t>
+            </a:r>
+            <a:r>
+              <a:rPr lang="zh-CN" altLang="en-US" dirty="0"/>
+              <a:t>、</a:t>
+            </a:r>
+            <a:r>
+              <a:rPr lang="en-US" altLang="zh-CN" dirty="0"/>
+              <a:t>IF_ICMPLE</a:t>
+            </a:r>
+            <a:r>
+              <a:rPr lang="zh-CN" altLang="en-US" dirty="0"/>
+              <a:t>、</a:t>
+            </a:r>
+            <a:r>
+              <a:rPr lang="en-US" altLang="zh-CN" dirty="0"/>
+              <a:t>IF_ICMPGE……</a:t>
+            </a:r>
+          </a:p>
+          <a:p>
+            <a:pPr lvl="2"/>
+            <a:r>
+              <a:rPr lang="zh-CN" altLang="en-US" dirty="0"/>
+              <a:t>通过对</a:t>
+            </a:r>
+            <a:r>
+              <a:rPr lang="en-US" altLang="zh-CN" dirty="0"/>
+              <a:t>JVM</a:t>
+            </a:r>
+            <a:r>
+              <a:rPr lang="zh-CN" altLang="en-US" dirty="0"/>
+              <a:t>指令的分析，我们把握了程序控制流的流动方向及分支条件，并把这些信息转换为</a:t>
+            </a:r>
+            <a:r>
+              <a:rPr lang="zh-CN" altLang="en-US" dirty="0">
+                <a:solidFill>
+                  <a:srgbClr val="FF0000"/>
+                </a:solidFill>
+              </a:rPr>
+              <a:t>符号状态</a:t>
+            </a:r>
+            <a:r>
+              <a:rPr lang="zh-CN" altLang="en-US" dirty="0"/>
+              <a:t>，实现对方法的符号状态分析。</a:t>
+            </a:r>
+            <a:endParaRPr lang="en-US" altLang="zh-CN" dirty="0"/>
+          </a:p>
+        </p:txBody>
+      </p:sp>
+    </p:spTree>
+    <p:extLst>
+      <p:ext uri="{BB962C8B-B14F-4D97-AF65-F5344CB8AC3E}">
+        <p14:creationId xmlns:p14="http://schemas.microsoft.com/office/powerpoint/2010/main" val="1786766927"/>
+      </p:ext>
+    </p:extLst>
+  </p:cSld>
+  <p:clrMapOvr>
+    <a:masterClrMapping/>
+  </p:clrMapOvr>
+  <mc:AlternateContent xmlns:mc="http://schemas.openxmlformats.org/markup-compatibility/2006">
+    <mc:Choice xmlns:p14="http://schemas.microsoft.com/office/powerpoint/2010/main" Requires="p14">
+      <p:transition spd="med" p14:dur="700">
+        <p:fade/>
+      </p:transition>
+    </mc:Choice>
+    <mc:Fallback>
+      <p:transition spd="med">
+        <p:fade/>
+      </p:transition>
+    </mc:Fallback>
+  </mc:AlternateContent>
+</p:sld>
+</file>
+
+<file path=ppt/slides/slide12.xml><?xml version="1.0" encoding="utf-8"?>
+<p:sld xmlns:a="http://schemas.openxmlformats.org/drawingml/2006/main" xmlns:r="http://schemas.openxmlformats.org/officeDocument/2006/relationships" xmlns:p="http://schemas.openxmlformats.org/presentationml/2006/main">
+  <p:cSld>
+    <p:spTree>
+      <p:nvGrpSpPr>
+        <p:cNvPr id="1" name=""/>
+        <p:cNvGrpSpPr/>
+        <p:nvPr/>
+      </p:nvGrpSpPr>
+      <p:grpSpPr>
+        <a:xfrm>
+          <a:off x="0" y="0"/>
+          <a:ext cx="0" cy="0"/>
+          <a:chOff x="0" y="0"/>
+          <a:chExt cx="0" cy="0"/>
+        </a:xfrm>
+      </p:grpSpPr>
+      <p:sp>
+        <p:nvSpPr>
+          <p:cNvPr id="2" name="标题 1">
+            <a:extLst>
+              <a:ext uri="{FF2B5EF4-FFF2-40B4-BE49-F238E27FC236}">
+                <a16:creationId xmlns:a16="http://schemas.microsoft.com/office/drawing/2014/main" id="{28A55207-BDDC-476D-9208-BB86FD689B48}"/>
+              </a:ext>
+            </a:extLst>
+          </p:cNvPr>
+          <p:cNvSpPr>
+            <a:spLocks noGrp="1"/>
+          </p:cNvSpPr>
+          <p:nvPr>
+            <p:ph type="title"/>
+          </p:nvPr>
+        </p:nvSpPr>
+        <p:spPr/>
+        <p:txBody>
+          <a:bodyPr/>
+          <a:lstStyle/>
+          <a:p>
+            <a:r>
+              <a:rPr lang="zh-CN" altLang="en-US" dirty="0">
+                <a:solidFill>
+                  <a:srgbClr val="5B9BD5">
+                    <a:lumMod val="60000"/>
+                    <a:lumOff val="40000"/>
+                  </a:srgbClr>
+                </a:solidFill>
+              </a:rPr>
+              <a:t>具体实现</a:t>
+            </a:r>
+            <a:endParaRPr lang="zh-CN" altLang="en-US" dirty="0"/>
+          </a:p>
+        </p:txBody>
+      </p:sp>
+      <p:sp>
+        <p:nvSpPr>
+          <p:cNvPr id="3" name="内容占位符 2">
+            <a:extLst>
+              <a:ext uri="{FF2B5EF4-FFF2-40B4-BE49-F238E27FC236}">
+                <a16:creationId xmlns:a16="http://schemas.microsoft.com/office/drawing/2014/main" id="{C7777031-4AC1-4C23-9239-D3A7D673BAA5}"/>
+              </a:ext>
+            </a:extLst>
+          </p:cNvPr>
+          <p:cNvSpPr>
+            <a:spLocks noGrp="1"/>
+          </p:cNvSpPr>
+          <p:nvPr>
+            <p:ph idx="1"/>
+          </p:nvPr>
+        </p:nvSpPr>
+        <p:spPr/>
+        <p:txBody>
+          <a:bodyPr/>
+          <a:lstStyle/>
+          <a:p>
+            <a:r>
+              <a:rPr lang="en-US" altLang="zh-CN" dirty="0"/>
+              <a:t>Step2</a:t>
+            </a:r>
+            <a:r>
+              <a:rPr lang="zh-CN" altLang="en-US" dirty="0"/>
+              <a:t>：利用</a:t>
+            </a:r>
+            <a:r>
+              <a:rPr lang="en-US" altLang="zh-CN" dirty="0" err="1"/>
+              <a:t>graphviz</a:t>
+            </a:r>
+            <a:r>
+              <a:rPr lang="zh-CN" altLang="en-US" dirty="0"/>
+              <a:t>将得到的路径约束图保存成</a:t>
+            </a:r>
+            <a:r>
+              <a:rPr lang="en-US" altLang="zh-CN" dirty="0"/>
+              <a:t>PDF</a:t>
+            </a:r>
+            <a:r>
+              <a:rPr lang="zh-CN" altLang="en-US" dirty="0"/>
+              <a:t>图的形式</a:t>
+            </a:r>
+          </a:p>
+          <a:p>
+            <a:pPr lvl="1"/>
+            <a:r>
+              <a:rPr lang="zh-CN" altLang="en-US" dirty="0"/>
+              <a:t>实现</a:t>
+            </a:r>
+            <a:r>
+              <a:rPr lang="en-US" altLang="zh-CN" dirty="0" err="1"/>
+              <a:t>Graphviz</a:t>
+            </a:r>
+            <a:r>
+              <a:rPr lang="zh-CN" altLang="en-US" dirty="0"/>
+              <a:t>类，将得到的符号执行树解析为</a:t>
+            </a:r>
+            <a:r>
+              <a:rPr lang="en-US" altLang="zh-CN" dirty="0"/>
+              <a:t>.dot</a:t>
+            </a:r>
+            <a:r>
+              <a:rPr lang="zh-CN" altLang="en-US" dirty="0"/>
+              <a:t>文件的格式，利用</a:t>
+            </a:r>
+            <a:r>
+              <a:rPr lang="en-US" altLang="zh-CN" dirty="0" err="1"/>
+              <a:t>Graphviz</a:t>
+            </a:r>
+            <a:r>
+              <a:rPr lang="zh-CN" altLang="en-US" dirty="0"/>
+              <a:t>插件将</a:t>
+            </a:r>
+            <a:r>
+              <a:rPr lang="en-US" altLang="zh-CN" dirty="0"/>
+              <a:t>.dot</a:t>
+            </a:r>
+            <a:r>
+              <a:rPr lang="zh-CN" altLang="en-US" dirty="0"/>
+              <a:t>文件转换为</a:t>
+            </a:r>
+            <a:r>
+              <a:rPr lang="en-US" altLang="zh-CN" dirty="0"/>
+              <a:t>PDF</a:t>
+            </a:r>
+            <a:r>
+              <a:rPr lang="zh-CN" altLang="en-US" dirty="0"/>
+              <a:t>文件。</a:t>
+            </a:r>
+          </a:p>
+        </p:txBody>
+      </p:sp>
+    </p:spTree>
+    <p:extLst>
+      <p:ext uri="{BB962C8B-B14F-4D97-AF65-F5344CB8AC3E}">
+        <p14:creationId xmlns:p14="http://schemas.microsoft.com/office/powerpoint/2010/main" val="1849815771"/>
+      </p:ext>
+    </p:extLst>
+  </p:cSld>
+  <p:clrMapOvr>
+    <a:masterClrMapping/>
+  </p:clrMapOvr>
+  <mc:AlternateContent xmlns:mc="http://schemas.openxmlformats.org/markup-compatibility/2006">
+    <mc:Choice xmlns:p14="http://schemas.microsoft.com/office/powerpoint/2010/main" Requires="p14">
+      <p:transition spd="med" p14:dur="700">
+        <p:fade/>
+      </p:transition>
+    </mc:Choice>
+    <mc:Fallback>
+      <p:transition spd="med">
+        <p:fade/>
+      </p:transition>
+    </mc:Fallback>
+  </mc:AlternateContent>
+</p:sld>
+</file>
+
+<file path=ppt/slides/slide13.xml><?xml version="1.0" encoding="utf-8"?>
+<p:sld xmlns:a="http://schemas.openxmlformats.org/drawingml/2006/main" xmlns:r="http://schemas.openxmlformats.org/officeDocument/2006/relationships" xmlns:p="http://schemas.openxmlformats.org/presentationml/2006/main">
+  <p:cSld>
+    <p:spTree>
+      <p:nvGrpSpPr>
+        <p:cNvPr id="1" name=""/>
+        <p:cNvGrpSpPr/>
+        <p:nvPr/>
+      </p:nvGrpSpPr>
+      <p:grpSpPr>
+        <a:xfrm>
+          <a:off x="0" y="0"/>
+          <a:ext cx="0" cy="0"/>
+          <a:chOff x="0" y="0"/>
+          <a:chExt cx="0" cy="0"/>
+        </a:xfrm>
+      </p:grpSpPr>
+      <p:sp>
+        <p:nvSpPr>
+          <p:cNvPr id="2" name="标题 1">
+            <a:extLst>
+              <a:ext uri="{FF2B5EF4-FFF2-40B4-BE49-F238E27FC236}">
+                <a16:creationId xmlns:a16="http://schemas.microsoft.com/office/drawing/2014/main" id="{96BB51F8-6523-4489-99B5-8271ECD608F3}"/>
+              </a:ext>
+            </a:extLst>
+          </p:cNvPr>
+          <p:cNvSpPr>
+            <a:spLocks noGrp="1"/>
+          </p:cNvSpPr>
+          <p:nvPr>
+            <p:ph type="title"/>
+          </p:nvPr>
+        </p:nvSpPr>
+        <p:spPr/>
+        <p:txBody>
+          <a:bodyPr/>
+          <a:lstStyle/>
+          <a:p>
+            <a:r>
+              <a:rPr lang="zh-CN" altLang="en-US" dirty="0">
+                <a:solidFill>
+                  <a:srgbClr val="5B9BD5">
+                    <a:lumMod val="60000"/>
+                    <a:lumOff val="40000"/>
+                  </a:srgbClr>
+                </a:solidFill>
+              </a:rPr>
+              <a:t>具体实现</a:t>
+            </a:r>
+            <a:endParaRPr lang="zh-CN" altLang="en-US" dirty="0"/>
+          </a:p>
+        </p:txBody>
+      </p:sp>
+      <p:sp>
+        <p:nvSpPr>
+          <p:cNvPr id="3" name="内容占位符 2">
+            <a:extLst>
+              <a:ext uri="{FF2B5EF4-FFF2-40B4-BE49-F238E27FC236}">
+                <a16:creationId xmlns:a16="http://schemas.microsoft.com/office/drawing/2014/main" id="{A92CF057-0DF7-46DB-995F-DC8976A6F4A3}"/>
+              </a:ext>
+            </a:extLst>
+          </p:cNvPr>
+          <p:cNvSpPr>
+            <a:spLocks noGrp="1"/>
+          </p:cNvSpPr>
+          <p:nvPr>
+            <p:ph idx="1"/>
+          </p:nvPr>
+        </p:nvSpPr>
+        <p:spPr/>
+        <p:txBody>
+          <a:bodyPr/>
+          <a:lstStyle/>
+          <a:p>
+            <a:r>
+              <a:rPr lang="en-US" altLang="zh-CN" dirty="0"/>
+              <a:t>Step3</a:t>
+            </a:r>
+            <a:r>
+              <a:rPr lang="zh-CN" altLang="en-US" dirty="0"/>
+              <a:t>：使用约束求解器（如</a:t>
+            </a:r>
+            <a:r>
+              <a:rPr lang="en-US" altLang="zh-CN" dirty="0"/>
+              <a:t>Z3</a:t>
+            </a:r>
+            <a:r>
+              <a:rPr lang="zh-CN" altLang="en-US" dirty="0"/>
+              <a:t>、</a:t>
+            </a:r>
+            <a:r>
+              <a:rPr lang="en-US" altLang="zh-CN" dirty="0"/>
+              <a:t>CVC4</a:t>
+            </a:r>
+            <a:r>
+              <a:rPr lang="zh-CN" altLang="en-US" dirty="0"/>
+              <a:t>等），求解上一步得到的符号状态，保存求解得到的测试数据。</a:t>
+            </a:r>
+            <a:r>
+              <a:rPr lang="en-US" altLang="zh-CN" dirty="0"/>
+              <a:t>(PS:</a:t>
+            </a:r>
+            <a:r>
+              <a:rPr lang="zh-CN" altLang="en-US" dirty="0"/>
+              <a:t>本次实验使用的是</a:t>
+            </a:r>
+            <a:r>
+              <a:rPr lang="en-US" altLang="zh-CN" dirty="0"/>
+              <a:t>CVC4</a:t>
+            </a:r>
+            <a:r>
+              <a:rPr lang="zh-CN" altLang="en-US" dirty="0"/>
+              <a:t>）</a:t>
+            </a:r>
+            <a:endParaRPr lang="en-US" altLang="zh-CN" dirty="0"/>
+          </a:p>
+          <a:p>
+            <a:pPr lvl="1"/>
+            <a:r>
+              <a:rPr lang="zh-CN" altLang="en-US" dirty="0"/>
+              <a:t>通过</a:t>
+            </a:r>
+            <a:r>
+              <a:rPr lang="en-US" altLang="zh-CN" dirty="0"/>
+              <a:t>Step2</a:t>
+            </a:r>
+            <a:r>
+              <a:rPr lang="zh-CN" altLang="en-US" dirty="0"/>
+              <a:t>的约束图得到约束状态，再使用</a:t>
+            </a:r>
+            <a:r>
+              <a:rPr lang="en-US" altLang="zh-CN" dirty="0"/>
+              <a:t>CVC4</a:t>
+            </a:r>
+            <a:r>
+              <a:rPr lang="zh-CN" altLang="en-US" dirty="0"/>
+              <a:t>在线工具，编写</a:t>
+            </a:r>
+            <a:r>
+              <a:rPr lang="en-US" altLang="zh-CN" dirty="0"/>
+              <a:t>.smt2</a:t>
+            </a:r>
+            <a:r>
+              <a:rPr lang="zh-CN" altLang="en-US" dirty="0"/>
+              <a:t>约束计算文件，求解约束，保存实验数据。</a:t>
+            </a:r>
+            <a:endParaRPr lang="en-US" altLang="zh-CN" dirty="0"/>
+          </a:p>
+          <a:p>
+            <a:endParaRPr lang="zh-CN" altLang="en-US" dirty="0"/>
+          </a:p>
+        </p:txBody>
+      </p:sp>
+      <p:pic>
+        <p:nvPicPr>
+          <p:cNvPr id="4" name="图片 3">
+            <a:extLst>
+              <a:ext uri="{FF2B5EF4-FFF2-40B4-BE49-F238E27FC236}">
+                <a16:creationId xmlns:a16="http://schemas.microsoft.com/office/drawing/2014/main" id="{5EE4224D-8075-48FA-BD6F-59B4390A9093}"/>
+              </a:ext>
+            </a:extLst>
+          </p:cNvPr>
+          <p:cNvPicPr>
+            <a:picLocks noChangeAspect="1"/>
+          </p:cNvPicPr>
+          <p:nvPr/>
+        </p:nvPicPr>
+        <p:blipFill>
+          <a:blip r:embed="rId2"/>
+          <a:stretch>
+            <a:fillRect/>
+          </a:stretch>
+        </p:blipFill>
+        <p:spPr>
+          <a:xfrm>
+            <a:off x="1911179" y="1425146"/>
+            <a:ext cx="7952260" cy="4473146"/>
+          </a:xfrm>
+          <a:prstGeom prst="rect">
+            <a:avLst/>
+          </a:prstGeom>
+        </p:spPr>
+      </p:pic>
+    </p:spTree>
+    <p:extLst>
+      <p:ext uri="{BB962C8B-B14F-4D97-AF65-F5344CB8AC3E}">
+        <p14:creationId xmlns:p14="http://schemas.microsoft.com/office/powerpoint/2010/main" val="4027747140"/>
+      </p:ext>
+    </p:extLst>
+  </p:cSld>
+  <p:clrMapOvr>
+    <a:masterClrMapping/>
+  </p:clrMapOvr>
+  <mc:AlternateContent xmlns:mc="http://schemas.openxmlformats.org/markup-compatibility/2006">
+    <mc:Choice xmlns:p14="http://schemas.microsoft.com/office/powerpoint/2010/main" Requires="p14">
+      <p:transition spd="med" p14:dur="700">
+        <p:fade/>
+      </p:transition>
+    </mc:Choice>
+    <mc:Fallback>
+      <p:transition spd="med">
+        <p:fade/>
+      </p:transition>
+    </mc:Fallback>
+  </mc:AlternateContent>
+  <p:timing>
+    <p:tnLst>
+      <p:par>
+        <p:cTn id="1" dur="indefinite" restart="never" nodeType="tmRoot">
+          <p:childTnLst>
+            <p:seq concurrent="1" nextAc="seek">
+              <p:cTn id="2" dur="indefinite" nodeType="mainSeq">
+                <p:childTnLst>
+                  <p:par>
+                    <p:cTn id="3" fill="hold">
+                      <p:stCondLst>
+                        <p:cond delay="indefinite"/>
+                      </p:stCondLst>
+                      <p:childTnLst>
+                        <p:par>
+                          <p:cTn id="4" fill="hold">
+                            <p:stCondLst>
+                              <p:cond delay="0"/>
+                            </p:stCondLst>
+                            <p:childTnLst>
+                              <p:par>
+                                <p:cTn id="5" presetID="10" presetClass="entr" presetSubtype="0" fill="hold" nodeType="clickEffect">
+                                  <p:stCondLst>
+                                    <p:cond delay="0"/>
+                                  </p:stCondLst>
+                                  <p:childTnLst>
+                                    <p:set>
+                                      <p:cBhvr>
+                                        <p:cTn id="6" dur="1" fill="hold">
+                                          <p:stCondLst>
+                                            <p:cond delay="0"/>
+                                          </p:stCondLst>
+                                        </p:cTn>
+                                        <p:tgtEl>
+                                          <p:spTgt spid="4"/>
+                                        </p:tgtEl>
+                                        <p:attrNameLst>
+                                          <p:attrName>style.visibility</p:attrName>
+                                        </p:attrNameLst>
+                                      </p:cBhvr>
+                                      <p:to>
+                                        <p:strVal val="visible"/>
+                                      </p:to>
+                                    </p:set>
+                                    <p:animEffect transition="in" filter="fade">
+                                      <p:cBhvr>
+                                        <p:cTn id="7" dur="500"/>
+                                        <p:tgtEl>
+                                          <p:spTgt spid="4"/>
+                                        </p:tgtEl>
+                                      </p:cBhvr>
+                                    </p:animEffect>
+                                  </p:childTnLst>
+                                </p:cTn>
+                              </p:par>
+                            </p:childTnLst>
+                          </p:cTn>
+                        </p:par>
+                      </p:childTnLst>
+                    </p:cTn>
+                  </p:par>
+                </p:childTnLst>
+              </p:cTn>
+              <p:prevCondLst>
+                <p:cond evt="onPrev" delay="0">
+                  <p:tgtEl>
+                    <p:sldTgt/>
+                  </p:tgtEl>
+                </p:cond>
+              </p:prevCondLst>
+              <p:nextCondLst>
+                <p:cond evt="onNext" delay="0">
+                  <p:tgtEl>
+                    <p:sldTgt/>
+                  </p:tgtEl>
+                </p:cond>
+              </p:nextCondLst>
+            </p:seq>
+          </p:childTnLst>
+        </p:cTn>
+      </p:par>
+    </p:tnLst>
+  </p:timing>
+</p:sld>
+</file>
+
+<file path=ppt/slides/slide14.xml><?xml version="1.0" encoding="utf-8"?>
+<p:sld xmlns:a="http://schemas.openxmlformats.org/drawingml/2006/main" xmlns:r="http://schemas.openxmlformats.org/officeDocument/2006/relationships" xmlns:p="http://schemas.openxmlformats.org/presentationml/2006/main">
+  <p:cSld>
+    <p:spTree>
+      <p:nvGrpSpPr>
+        <p:cNvPr id="1" name=""/>
+        <p:cNvGrpSpPr/>
+        <p:nvPr/>
+      </p:nvGrpSpPr>
+      <p:grpSpPr>
+        <a:xfrm>
+          <a:off x="0" y="0"/>
+          <a:ext cx="0" cy="0"/>
+          <a:chOff x="0" y="0"/>
+          <a:chExt cx="0" cy="0"/>
+        </a:xfrm>
+      </p:grpSpPr>
+      <p:sp>
+        <p:nvSpPr>
+          <p:cNvPr id="6" name="标题 5">
+            <a:extLst>
+              <a:ext uri="{FF2B5EF4-FFF2-40B4-BE49-F238E27FC236}">
+                <a16:creationId xmlns:a16="http://schemas.microsoft.com/office/drawing/2014/main" id="{8E59B840-BA70-4AAD-ABA8-40DBA8E009DB}"/>
+              </a:ext>
+            </a:extLst>
+          </p:cNvPr>
+          <p:cNvSpPr>
+            <a:spLocks noGrp="1"/>
+          </p:cNvSpPr>
+          <p:nvPr>
+            <p:ph type="ctrTitle"/>
+          </p:nvPr>
+        </p:nvSpPr>
+        <p:spPr/>
+        <p:txBody>
+          <a:bodyPr/>
+          <a:lstStyle/>
+          <a:p>
+            <a:r>
+              <a:rPr lang="zh-CN" altLang="en-US" dirty="0">
+                <a:solidFill>
+                  <a:schemeClr val="accent5">
+                    <a:lumMod val="60000"/>
+                    <a:lumOff val="40000"/>
+                  </a:schemeClr>
+                </a:solidFill>
+              </a:rPr>
+              <a:t>感谢观看</a:t>
+            </a:r>
+          </a:p>
+        </p:txBody>
+      </p:sp>
+    </p:spTree>
+    <p:extLst>
+      <p:ext uri="{BB962C8B-B14F-4D97-AF65-F5344CB8AC3E}">
+        <p14:creationId xmlns:p14="http://schemas.microsoft.com/office/powerpoint/2010/main" val="1515615097"/>
+      </p:ext>
+    </p:extLst>
+  </p:cSld>
+  <p:clrMapOvr>
+    <a:masterClrMapping/>
+  </p:clrMapOvr>
+</p:sld>
+</file>
+
+<file path=ppt/slides/slide2.xml><?xml version="1.0" encoding="utf-8"?>
+<p:sld xmlns:a="http://schemas.openxmlformats.org/drawingml/2006/main" xmlns:r="http://schemas.openxmlformats.org/officeDocument/2006/relationships" xmlns:p="http://schemas.openxmlformats.org/presentationml/2006/main">
+  <p:cSld>
+    <p:spTree>
+      <p:nvGrpSpPr>
+        <p:cNvPr id="1" name=""/>
+        <p:cNvGrpSpPr/>
+        <p:nvPr/>
+      </p:nvGrpSpPr>
+      <p:grpSpPr>
+        <a:xfrm>
+          <a:off x="0" y="0"/>
+          <a:ext cx="0" cy="0"/>
+          <a:chOff x="0" y="0"/>
+          <a:chExt cx="0" cy="0"/>
+        </a:xfrm>
+      </p:grpSpPr>
+      <p:sp>
+        <p:nvSpPr>
+          <p:cNvPr id="2" name="标题 1">
+            <a:extLst>
+              <a:ext uri="{FF2B5EF4-FFF2-40B4-BE49-F238E27FC236}">
+                <a16:creationId xmlns:a16="http://schemas.microsoft.com/office/drawing/2014/main" id="{B1736B1A-D1EE-43F7-9876-6E52CBBF0727}"/>
+              </a:ext>
+            </a:extLst>
+          </p:cNvPr>
+          <p:cNvSpPr>
+            <a:spLocks noGrp="1"/>
+          </p:cNvSpPr>
+          <p:nvPr>
+            <p:ph type="title"/>
+          </p:nvPr>
+        </p:nvSpPr>
+        <p:spPr/>
+        <p:txBody>
+          <a:bodyPr/>
+          <a:lstStyle/>
+          <a:p>
+            <a:r>
+              <a:rPr lang="zh-CN" altLang="en-US" dirty="0">
+                <a:solidFill>
+                  <a:schemeClr val="accent5">
+                    <a:lumMod val="60000"/>
+                    <a:lumOff val="40000"/>
+                  </a:schemeClr>
+                </a:solidFill>
+              </a:rPr>
+              <a:t>工具复现步骤</a:t>
+            </a:r>
+          </a:p>
+        </p:txBody>
+      </p:sp>
+      <p:sp>
+        <p:nvSpPr>
+          <p:cNvPr id="3" name="内容占位符 2">
+            <a:extLst>
+              <a:ext uri="{FF2B5EF4-FFF2-40B4-BE49-F238E27FC236}">
+                <a16:creationId xmlns:a16="http://schemas.microsoft.com/office/drawing/2014/main" id="{0264B4F4-EF88-4C91-B4EE-E2CE8AE422AB}"/>
+              </a:ext>
+            </a:extLst>
+          </p:cNvPr>
+          <p:cNvSpPr>
+            <a:spLocks noGrp="1"/>
+          </p:cNvSpPr>
+          <p:nvPr>
+            <p:ph idx="1"/>
+          </p:nvPr>
+        </p:nvSpPr>
+        <p:spPr/>
+        <p:txBody>
+          <a:bodyPr/>
+          <a:lstStyle/>
+          <a:p>
+            <a:r>
+              <a:rPr lang="en-US" altLang="zh-CN" dirty="0"/>
+              <a:t>Step1</a:t>
+            </a:r>
+            <a:r>
+              <a:rPr lang="zh-CN" altLang="en-US" dirty="0"/>
+              <a:t>：参考文献中对符号执行的定义，利用</a:t>
+            </a:r>
+            <a:r>
+              <a:rPr lang="en-US" altLang="zh-CN" dirty="0"/>
+              <a:t>ASM</a:t>
+            </a:r>
+            <a:r>
+              <a:rPr lang="zh-CN" altLang="en-US" dirty="0"/>
+              <a:t>程序分析库完成对目标程序的符号状态分析</a:t>
+            </a:r>
+            <a:endParaRPr lang="en-US" altLang="zh-CN" dirty="0"/>
+          </a:p>
+          <a:p>
+            <a:r>
+              <a:rPr lang="en-US" altLang="zh-CN" dirty="0"/>
+              <a:t>Step2</a:t>
+            </a:r>
+            <a:r>
+              <a:rPr lang="zh-CN" altLang="en-US" dirty="0"/>
+              <a:t>：利用</a:t>
+            </a:r>
+            <a:r>
+              <a:rPr lang="en-US" altLang="zh-CN" dirty="0" err="1"/>
+              <a:t>graphviz</a:t>
+            </a:r>
+            <a:r>
+              <a:rPr lang="zh-CN" altLang="en-US" dirty="0"/>
+              <a:t>将得到的路径约束图保存成</a:t>
+            </a:r>
+            <a:r>
+              <a:rPr lang="en-US" altLang="zh-CN" dirty="0"/>
+              <a:t>PDF</a:t>
+            </a:r>
+            <a:r>
+              <a:rPr lang="zh-CN" altLang="en-US" dirty="0"/>
+              <a:t>图的形式</a:t>
+            </a:r>
+            <a:endParaRPr lang="en-US" altLang="zh-CN" dirty="0"/>
+          </a:p>
+          <a:p>
+            <a:r>
+              <a:rPr lang="en-US" altLang="zh-CN" dirty="0"/>
+              <a:t>Step3</a:t>
+            </a:r>
+            <a:r>
+              <a:rPr lang="zh-CN" altLang="en-US" dirty="0"/>
+              <a:t>：使用约束求解器（如</a:t>
+            </a:r>
+            <a:r>
+              <a:rPr lang="en-US" altLang="zh-CN" dirty="0"/>
+              <a:t>Z3</a:t>
+            </a:r>
+            <a:r>
+              <a:rPr lang="zh-CN" altLang="en-US" dirty="0"/>
+              <a:t>、</a:t>
+            </a:r>
+            <a:r>
+              <a:rPr lang="en-US" altLang="zh-CN" dirty="0"/>
+              <a:t>CVC4</a:t>
+            </a:r>
+            <a:r>
+              <a:rPr lang="zh-CN" altLang="en-US" dirty="0"/>
+              <a:t>等），求解上一步得到的符号状态，保存求解得到的测试数据。</a:t>
+            </a:r>
+          </a:p>
+        </p:txBody>
+      </p:sp>
+    </p:spTree>
+    <p:extLst>
+      <p:ext uri="{BB962C8B-B14F-4D97-AF65-F5344CB8AC3E}">
+        <p14:creationId xmlns:p14="http://schemas.microsoft.com/office/powerpoint/2010/main" val="3110898176"/>
+      </p:ext>
+    </p:extLst>
+  </p:cSld>
+  <p:clrMapOvr>
+    <a:masterClrMapping/>
+  </p:clrMapOvr>
+  <mc:AlternateContent xmlns:mc="http://schemas.openxmlformats.org/markup-compatibility/2006">
+    <mc:Choice xmlns:p14="http://schemas.microsoft.com/office/powerpoint/2010/main" Requires="p14">
+      <p:transition spd="med" p14:dur="700">
+        <p:fade/>
+      </p:transition>
+    </mc:Choice>
+    <mc:Fallback>
+      <p:transition spd="med">
+        <p:fade/>
+      </p:transition>
+    </mc:Fallback>
+  </mc:AlternateContent>
+</p:sld>
+</file>
+
+<file path=ppt/slides/slide3.xml><?xml version="1.0" encoding="utf-8"?>
+<p:sld xmlns:a="http://schemas.openxmlformats.org/drawingml/2006/main" xmlns:r="http://schemas.openxmlformats.org/officeDocument/2006/relationships" xmlns:p="http://schemas.openxmlformats.org/presentationml/2006/main">
+  <p:cSld>
+    <p:spTree>
+      <p:nvGrpSpPr>
+        <p:cNvPr id="1" name=""/>
+        <p:cNvGrpSpPr/>
+        <p:nvPr/>
+      </p:nvGrpSpPr>
+      <p:grpSpPr>
+        <a:xfrm>
+          <a:off x="0" y="0"/>
+          <a:ext cx="0" cy="0"/>
+          <a:chOff x="0" y="0"/>
+          <a:chExt cx="0" cy="0"/>
+        </a:xfrm>
+      </p:grpSpPr>
+      <p:sp>
+        <p:nvSpPr>
+          <p:cNvPr id="2" name="标题 1">
+            <a:extLst>
+              <a:ext uri="{FF2B5EF4-FFF2-40B4-BE49-F238E27FC236}">
+                <a16:creationId xmlns:a16="http://schemas.microsoft.com/office/drawing/2014/main" id="{8AC5EF63-0DE6-40E9-8164-5962B0C3BFFC}"/>
+              </a:ext>
+            </a:extLst>
+          </p:cNvPr>
+          <p:cNvSpPr>
+            <a:spLocks noGrp="1"/>
+          </p:cNvSpPr>
+          <p:nvPr>
+            <p:ph type="title"/>
+          </p:nvPr>
+        </p:nvSpPr>
+        <p:spPr/>
+        <p:txBody>
+          <a:bodyPr/>
+          <a:lstStyle/>
+          <a:p>
+            <a:r>
+              <a:rPr lang="zh-CN" altLang="en-US" dirty="0">
+                <a:solidFill>
+                  <a:schemeClr val="accent5">
+                    <a:lumMod val="60000"/>
+                    <a:lumOff val="40000"/>
+                  </a:schemeClr>
+                </a:solidFill>
+              </a:rPr>
+              <a:t>工具原理</a:t>
+            </a:r>
+          </a:p>
+        </p:txBody>
+      </p:sp>
+      <p:sp>
+        <p:nvSpPr>
+          <p:cNvPr id="3" name="内容占位符 2">
+            <a:extLst>
+              <a:ext uri="{FF2B5EF4-FFF2-40B4-BE49-F238E27FC236}">
+                <a16:creationId xmlns:a16="http://schemas.microsoft.com/office/drawing/2014/main" id="{8DA28149-1297-4324-8EC1-E4240B51760E}"/>
+              </a:ext>
+            </a:extLst>
+          </p:cNvPr>
+          <p:cNvSpPr>
+            <a:spLocks noGrp="1"/>
+          </p:cNvSpPr>
+          <p:nvPr>
+            <p:ph idx="1"/>
+          </p:nvPr>
+        </p:nvSpPr>
+        <p:spPr/>
+        <p:txBody>
+          <a:bodyPr/>
+          <a:lstStyle/>
+          <a:p>
+            <a:r>
+              <a:rPr lang="zh-CN" altLang="en-US" dirty="0"/>
+              <a:t>符号执行：</a:t>
+            </a:r>
+            <a:endParaRPr lang="en-US" altLang="zh-CN" dirty="0"/>
+          </a:p>
+          <a:p>
+            <a:pPr lvl="1"/>
+            <a:r>
+              <a:rPr lang="zh-CN" altLang="en-US" dirty="0"/>
+              <a:t>符号执行（</a:t>
+            </a:r>
+            <a:r>
+              <a:rPr lang="en-US" altLang="zh-CN" dirty="0"/>
+              <a:t>symbolic execution</a:t>
+            </a:r>
+            <a:r>
+              <a:rPr lang="zh-CN" altLang="en-US" dirty="0"/>
+              <a:t>）是一种计算机科学领域的程序分析技术，通过采用抽象的符号代替精确值作为程序输入变量，得出每个路径抽象的输出结果（</a:t>
+            </a:r>
+            <a:r>
+              <a:rPr lang="en-US" altLang="zh-CN" dirty="0"/>
+              <a:t>wiki</a:t>
+            </a:r>
+            <a:r>
+              <a:rPr lang="zh-CN" altLang="en-US" dirty="0"/>
+              <a:t>）。</a:t>
+            </a:r>
+          </a:p>
+        </p:txBody>
+      </p:sp>
+    </p:spTree>
+    <p:extLst>
+      <p:ext uri="{BB962C8B-B14F-4D97-AF65-F5344CB8AC3E}">
+        <p14:creationId xmlns:p14="http://schemas.microsoft.com/office/powerpoint/2010/main" val="2151280898"/>
+      </p:ext>
+    </p:extLst>
+  </p:cSld>
+  <p:clrMapOvr>
+    <a:masterClrMapping/>
+  </p:clrMapOvr>
+  <mc:AlternateContent xmlns:mc="http://schemas.openxmlformats.org/markup-compatibility/2006">
+    <mc:Choice xmlns:p14="http://schemas.microsoft.com/office/powerpoint/2010/main" Requires="p14">
+      <p:transition spd="med" p14:dur="700">
+        <p:fade/>
+      </p:transition>
+    </mc:Choice>
+    <mc:Fallback>
+      <p:transition spd="med">
+        <p:fade/>
+      </p:transition>
+    </mc:Fallback>
+  </mc:AlternateContent>
+</p:sld>
+</file>
+
+<file path=ppt/slides/slide4.xml><?xml version="1.0" encoding="utf-8"?>
+<p:sld xmlns:a="http://schemas.openxmlformats.org/drawingml/2006/main" xmlns:r="http://schemas.openxmlformats.org/officeDocument/2006/relationships" xmlns:p="http://schemas.openxmlformats.org/presentationml/2006/main">
+  <p:cSld>
+    <p:spTree>
+      <p:nvGrpSpPr>
+        <p:cNvPr id="1" name=""/>
+        <p:cNvGrpSpPr/>
+        <p:nvPr/>
+      </p:nvGrpSpPr>
+      <p:grpSpPr>
+        <a:xfrm>
+          <a:off x="0" y="0"/>
+          <a:ext cx="0" cy="0"/>
+          <a:chOff x="0" y="0"/>
+          <a:chExt cx="0" cy="0"/>
+        </a:xfrm>
+      </p:grpSpPr>
+      <p:sp>
+        <p:nvSpPr>
+          <p:cNvPr id="2" name="标题 1">
+            <a:extLst>
+              <a:ext uri="{FF2B5EF4-FFF2-40B4-BE49-F238E27FC236}">
+                <a16:creationId xmlns:a16="http://schemas.microsoft.com/office/drawing/2014/main" id="{1FA052D9-9971-4054-9604-9293A7FB51ED}"/>
+              </a:ext>
+            </a:extLst>
+          </p:cNvPr>
+          <p:cNvSpPr>
+            <a:spLocks noGrp="1"/>
+          </p:cNvSpPr>
+          <p:nvPr>
+            <p:ph type="title"/>
+          </p:nvPr>
+        </p:nvSpPr>
+        <p:spPr/>
+        <p:txBody>
+          <a:bodyPr/>
+          <a:lstStyle/>
+          <a:p>
+            <a:r>
+              <a:rPr lang="zh-CN" altLang="en-US" dirty="0">
+                <a:solidFill>
+                  <a:schemeClr val="accent5">
+                    <a:lumMod val="60000"/>
+                    <a:lumOff val="40000"/>
+                  </a:schemeClr>
+                </a:solidFill>
+              </a:rPr>
+              <a:t>工具原理</a:t>
+            </a:r>
+          </a:p>
+        </p:txBody>
+      </p:sp>
+      <p:sp>
+        <p:nvSpPr>
+          <p:cNvPr id="3" name="内容占位符 2">
+            <a:extLst>
+              <a:ext uri="{FF2B5EF4-FFF2-40B4-BE49-F238E27FC236}">
+                <a16:creationId xmlns:a16="http://schemas.microsoft.com/office/drawing/2014/main" id="{FA44D6B9-B5E5-48E1-AC3E-AF23831B7E52}"/>
+              </a:ext>
+            </a:extLst>
+          </p:cNvPr>
+          <p:cNvSpPr>
+            <a:spLocks noGrp="1"/>
+          </p:cNvSpPr>
+          <p:nvPr>
+            <p:ph idx="1"/>
+          </p:nvPr>
+        </p:nvSpPr>
+        <p:spPr/>
+        <p:txBody>
+          <a:bodyPr>
+            <a:normAutofit/>
+          </a:bodyPr>
+          <a:lstStyle/>
+          <a:p>
+            <a:r>
+              <a:rPr lang="zh-CN" altLang="en-US" dirty="0"/>
+              <a:t>符号执行引擎：</a:t>
+            </a:r>
+            <a:endParaRPr lang="en-US" altLang="zh-CN" dirty="0"/>
+          </a:p>
+          <a:p>
+            <a:pPr lvl="1"/>
+            <a:r>
+              <a:rPr lang="zh-CN" altLang="en-US" dirty="0"/>
+              <a:t>状态信息存储器：存储下列符号执行所需状态信息。</a:t>
+            </a:r>
+          </a:p>
+          <a:p>
+            <a:pPr lvl="2"/>
+            <a:r>
+              <a:rPr lang="en-US" altLang="zh-CN" dirty="0">
+                <a:solidFill>
+                  <a:srgbClr val="FF0000"/>
+                </a:solidFill>
+              </a:rPr>
+              <a:t>PC</a:t>
+            </a:r>
+            <a:r>
+              <a:rPr lang="zh-CN" altLang="en-US" dirty="0"/>
+              <a:t>：指向需要处理的下一条程序语句</a:t>
+            </a:r>
+            <a:r>
+              <a:rPr lang="en-US" altLang="zh-CN" dirty="0"/>
+              <a:t>,</a:t>
+            </a:r>
+            <a:r>
+              <a:rPr lang="zh-CN" altLang="en-US" dirty="0"/>
+              <a:t>其可以是赋值语句、条件分支语句或者是跳转语句；</a:t>
+            </a:r>
+          </a:p>
+          <a:p>
+            <a:pPr lvl="2"/>
+            <a:r>
+              <a:rPr lang="el-GR" altLang="zh-CN" dirty="0">
+                <a:solidFill>
+                  <a:srgbClr val="FF0000"/>
+                </a:solidFill>
+              </a:rPr>
+              <a:t>π</a:t>
+            </a:r>
+            <a:r>
+              <a:rPr lang="zh-CN" altLang="en-US" dirty="0"/>
+              <a:t>：指代路径约束信息</a:t>
+            </a:r>
+            <a:r>
+              <a:rPr lang="en-US" altLang="zh-CN" dirty="0"/>
+              <a:t>,</a:t>
+            </a:r>
+            <a:r>
+              <a:rPr lang="zh-CN" altLang="en-US" dirty="0"/>
+              <a:t>表示为执行到程序特定语句需要经过的条件分支，以及各分支处关于符号值的表达式</a:t>
+            </a:r>
+            <a:r>
+              <a:rPr lang="en-US" altLang="zh-CN" dirty="0"/>
+              <a:t>;</a:t>
+            </a:r>
+          </a:p>
+          <a:p>
+            <a:pPr lvl="2"/>
+            <a:r>
+              <a:rPr lang="el-GR" altLang="zh-CN" dirty="0">
+                <a:solidFill>
+                  <a:srgbClr val="FF0000"/>
+                </a:solidFill>
+              </a:rPr>
+              <a:t>σ</a:t>
+            </a:r>
+            <a:r>
+              <a:rPr lang="zh-CN" altLang="en-US" dirty="0"/>
+              <a:t>：表示与程序变量相关的符号状态</a:t>
+            </a:r>
+            <a:r>
+              <a:rPr lang="en-US" altLang="zh-CN" dirty="0"/>
+              <a:t>.</a:t>
+            </a:r>
+          </a:p>
+          <a:p>
+            <a:pPr lvl="1"/>
+            <a:r>
+              <a:rPr lang="zh-CN" altLang="en-US" dirty="0"/>
+              <a:t>语句执行器：执行每一条语句来获取该程序的控制流程。</a:t>
+            </a:r>
+          </a:p>
+          <a:p>
+            <a:pPr lvl="1"/>
+            <a:r>
+              <a:rPr lang="zh-CN" altLang="en-US" dirty="0"/>
+              <a:t>约束解算器：用于在一条路径的符号执行结束后解算路径约束与符号执行结果，为开发者提供一个可供实际执行的值</a:t>
+            </a:r>
+          </a:p>
+        </p:txBody>
+      </p:sp>
+    </p:spTree>
+    <p:extLst>
+      <p:ext uri="{BB962C8B-B14F-4D97-AF65-F5344CB8AC3E}">
+        <p14:creationId xmlns:p14="http://schemas.microsoft.com/office/powerpoint/2010/main" val="2236139074"/>
+      </p:ext>
+    </p:extLst>
+  </p:cSld>
+  <p:clrMapOvr>
+    <a:masterClrMapping/>
+  </p:clrMapOvr>
+  <mc:AlternateContent xmlns:mc="http://schemas.openxmlformats.org/markup-compatibility/2006">
+    <mc:Choice xmlns:p14="http://schemas.microsoft.com/office/powerpoint/2010/main" Requires="p14">
+      <p:transition spd="med" p14:dur="700">
+        <p:fade/>
+      </p:transition>
+    </mc:Choice>
+    <mc:Fallback>
+      <p:transition spd="med">
+        <p:fade/>
+      </p:transition>
+    </mc:Fallback>
+  </mc:AlternateContent>
+</p:sld>
+</file>
+
+<file path=ppt/slides/slide5.xml><?xml version="1.0" encoding="utf-8"?>
+<p:sld xmlns:a="http://schemas.openxmlformats.org/drawingml/2006/main" xmlns:r="http://schemas.openxmlformats.org/officeDocument/2006/relationships" xmlns:p="http://schemas.openxmlformats.org/presentationml/2006/main">
+  <p:cSld>
+    <p:spTree>
+      <p:nvGrpSpPr>
+        <p:cNvPr id="1" name=""/>
+        <p:cNvGrpSpPr/>
+        <p:nvPr/>
+      </p:nvGrpSpPr>
+      <p:grpSpPr>
+        <a:xfrm>
+          <a:off x="0" y="0"/>
+          <a:ext cx="0" cy="0"/>
+          <a:chOff x="0" y="0"/>
+          <a:chExt cx="0" cy="0"/>
+        </a:xfrm>
+      </p:grpSpPr>
+      <p:sp>
+        <p:nvSpPr>
+          <p:cNvPr id="2" name="标题 1">
+            <a:extLst>
+              <a:ext uri="{FF2B5EF4-FFF2-40B4-BE49-F238E27FC236}">
+                <a16:creationId xmlns:a16="http://schemas.microsoft.com/office/drawing/2014/main" id="{99455410-2650-4AAA-BE5A-1BA240DF9CB7}"/>
+              </a:ext>
+            </a:extLst>
+          </p:cNvPr>
+          <p:cNvSpPr>
+            <a:spLocks noGrp="1"/>
+          </p:cNvSpPr>
+          <p:nvPr>
+            <p:ph type="title"/>
+          </p:nvPr>
+        </p:nvSpPr>
+        <p:spPr/>
+        <p:txBody>
+          <a:bodyPr/>
+          <a:lstStyle/>
+          <a:p>
+            <a:r>
+              <a:rPr lang="zh-CN" altLang="en-US" dirty="0">
+                <a:solidFill>
+                  <a:schemeClr val="accent5">
+                    <a:lumMod val="60000"/>
+                    <a:lumOff val="40000"/>
+                  </a:schemeClr>
+                </a:solidFill>
+              </a:rPr>
+              <a:t>工具原理</a:t>
+            </a:r>
+          </a:p>
+        </p:txBody>
+      </p:sp>
+      <p:sp>
+        <p:nvSpPr>
+          <p:cNvPr id="3" name="内容占位符 2">
+            <a:extLst>
+              <a:ext uri="{FF2B5EF4-FFF2-40B4-BE49-F238E27FC236}">
+                <a16:creationId xmlns:a16="http://schemas.microsoft.com/office/drawing/2014/main" id="{0CD20921-EED1-46BE-AE46-04B9D4817FE3}"/>
+              </a:ext>
+            </a:extLst>
+          </p:cNvPr>
+          <p:cNvSpPr>
+            <a:spLocks noGrp="1"/>
+          </p:cNvSpPr>
+          <p:nvPr>
+            <p:ph idx="1"/>
+          </p:nvPr>
+        </p:nvSpPr>
+        <p:spPr/>
+        <p:txBody>
+          <a:bodyPr/>
+          <a:lstStyle/>
+          <a:p>
+            <a:r>
+              <a:rPr lang="zh-CN" altLang="en-US" dirty="0"/>
+              <a:t>符号执行目标</a:t>
+            </a:r>
+            <a:endParaRPr lang="en-US" altLang="zh-CN" dirty="0"/>
+          </a:p>
+          <a:p>
+            <a:pPr lvl="1"/>
+            <a:r>
+              <a:rPr lang="zh-CN" altLang="en-US" dirty="0"/>
+              <a:t>符号执行的一个关键目标是在一定的时间内探索尽可能多的不同程序路径，对于每个路径，产生一组行使该路径的具体输入值，检查是否存在各种错误，包括违反断言、未捕获异常、安全漏洞和内存损坏。产生具体测试输入的能力是符号执行的主要优势之一。</a:t>
+            </a:r>
+          </a:p>
+        </p:txBody>
+      </p:sp>
+    </p:spTree>
+    <p:extLst>
+      <p:ext uri="{BB962C8B-B14F-4D97-AF65-F5344CB8AC3E}">
+        <p14:creationId xmlns:p14="http://schemas.microsoft.com/office/powerpoint/2010/main" val="2896408452"/>
+      </p:ext>
+    </p:extLst>
+  </p:cSld>
+  <p:clrMapOvr>
+    <a:masterClrMapping/>
+  </p:clrMapOvr>
+  <mc:AlternateContent xmlns:mc="http://schemas.openxmlformats.org/markup-compatibility/2006">
+    <mc:Choice xmlns:p14="http://schemas.microsoft.com/office/powerpoint/2010/main" Requires="p14">
+      <p:transition spd="med" p14:dur="700">
+        <p:fade/>
+      </p:transition>
+    </mc:Choice>
+    <mc:Fallback>
+      <p:transition spd="med">
+        <p:fade/>
+      </p:transition>
+    </mc:Fallback>
+  </mc:AlternateContent>
+</p:sld>
+</file>
+
+<file path=ppt/slides/slide6.xml><?xml version="1.0" encoding="utf-8"?>
+<p:sld xmlns:a="http://schemas.openxmlformats.org/drawingml/2006/main" xmlns:r="http://schemas.openxmlformats.org/officeDocument/2006/relationships" xmlns:p="http://schemas.openxmlformats.org/presentationml/2006/main">
+  <p:cSld>
+    <p:spTree>
+      <p:nvGrpSpPr>
+        <p:cNvPr id="1" name=""/>
+        <p:cNvGrpSpPr/>
+        <p:nvPr/>
+      </p:nvGrpSpPr>
+      <p:grpSpPr>
+        <a:xfrm>
+          <a:off x="0" y="0"/>
+          <a:ext cx="0" cy="0"/>
+          <a:chOff x="0" y="0"/>
+          <a:chExt cx="0" cy="0"/>
+        </a:xfrm>
+      </p:grpSpPr>
+      <p:sp>
+        <p:nvSpPr>
+          <p:cNvPr id="2" name="标题 1">
+            <a:extLst>
+              <a:ext uri="{FF2B5EF4-FFF2-40B4-BE49-F238E27FC236}">
+                <a16:creationId xmlns:a16="http://schemas.microsoft.com/office/drawing/2014/main" id="{40412B58-CDD8-4EB5-A0E5-9CE0E4DCC69F}"/>
+              </a:ext>
+            </a:extLst>
+          </p:cNvPr>
+          <p:cNvSpPr>
+            <a:spLocks noGrp="1"/>
+          </p:cNvSpPr>
+          <p:nvPr>
+            <p:ph type="title"/>
+          </p:nvPr>
+        </p:nvSpPr>
+        <p:spPr/>
+        <p:txBody>
+          <a:bodyPr/>
+          <a:lstStyle/>
+          <a:p>
+            <a:r>
+              <a:rPr lang="zh-CN" altLang="en-US" dirty="0">
+                <a:solidFill>
+                  <a:schemeClr val="accent5">
+                    <a:lumMod val="60000"/>
+                    <a:lumOff val="40000"/>
+                  </a:schemeClr>
+                </a:solidFill>
+              </a:rPr>
+              <a:t>工具原理</a:t>
+            </a:r>
+          </a:p>
+        </p:txBody>
+      </p:sp>
+      <p:sp>
+        <p:nvSpPr>
+          <p:cNvPr id="3" name="内容占位符 2">
+            <a:extLst>
+              <a:ext uri="{FF2B5EF4-FFF2-40B4-BE49-F238E27FC236}">
+                <a16:creationId xmlns:a16="http://schemas.microsoft.com/office/drawing/2014/main" id="{0400F7BA-3141-4841-A9CA-7A553D3DE6A0}"/>
+              </a:ext>
+            </a:extLst>
+          </p:cNvPr>
+          <p:cNvSpPr>
+            <a:spLocks noGrp="1"/>
+          </p:cNvSpPr>
+          <p:nvPr>
+            <p:ph idx="1"/>
+          </p:nvPr>
+        </p:nvSpPr>
+        <p:spPr/>
+        <p:txBody>
+          <a:bodyPr/>
+          <a:lstStyle/>
+          <a:p>
+            <a:r>
+              <a:rPr lang="zh-CN" altLang="en-US" dirty="0"/>
+              <a:t>符号执行关键思想：</a:t>
+            </a:r>
+            <a:endParaRPr lang="en-US" altLang="zh-CN" dirty="0"/>
+          </a:p>
+          <a:p>
+            <a:pPr lvl="1"/>
+            <a:r>
+              <a:rPr lang="zh-CN" altLang="en-US" dirty="0"/>
+              <a:t>使用</a:t>
+            </a:r>
+            <a:r>
+              <a:rPr lang="zh-CN" altLang="en-US" dirty="0">
+                <a:solidFill>
+                  <a:srgbClr val="FF0000"/>
+                </a:solidFill>
+              </a:rPr>
+              <a:t>符号值</a:t>
+            </a:r>
+            <a:r>
+              <a:rPr lang="zh-CN" altLang="en-US" dirty="0"/>
+              <a:t>，而不是具体的数据值作为输入，并将程序变量的值用符号表达式表示在符号输入值上。</a:t>
+            </a:r>
+            <a:endParaRPr lang="en-US" altLang="zh-CN" dirty="0"/>
+          </a:p>
+        </p:txBody>
+      </p:sp>
+    </p:spTree>
+    <p:extLst>
+      <p:ext uri="{BB962C8B-B14F-4D97-AF65-F5344CB8AC3E}">
+        <p14:creationId xmlns:p14="http://schemas.microsoft.com/office/powerpoint/2010/main" val="3866116822"/>
+      </p:ext>
+    </p:extLst>
+  </p:cSld>
+  <p:clrMapOvr>
+    <a:masterClrMapping/>
+  </p:clrMapOvr>
+  <mc:AlternateContent xmlns:mc="http://schemas.openxmlformats.org/markup-compatibility/2006">
+    <mc:Choice xmlns:p14="http://schemas.microsoft.com/office/powerpoint/2010/main" Requires="p14">
+      <p:transition spd="med" p14:dur="700">
+        <p:fade/>
+      </p:transition>
+    </mc:Choice>
+    <mc:Fallback>
+      <p:transition spd="med">
+        <p:fade/>
+      </p:transition>
+    </mc:Fallback>
+  </mc:AlternateContent>
+</p:sld>
+</file>
+
+<file path=ppt/slides/slide7.xml><?xml version="1.0" encoding="utf-8"?>
+<p:sld xmlns:a="http://schemas.openxmlformats.org/drawingml/2006/main" xmlns:r="http://schemas.openxmlformats.org/officeDocument/2006/relationships" xmlns:p="http://schemas.openxmlformats.org/presentationml/2006/main">
+  <p:cSld>
+    <p:spTree>
+      <p:nvGrpSpPr>
+        <p:cNvPr id="1" name=""/>
+        <p:cNvGrpSpPr/>
+        <p:nvPr/>
+      </p:nvGrpSpPr>
+      <p:grpSpPr>
+        <a:xfrm>
+          <a:off x="0" y="0"/>
+          <a:ext cx="0" cy="0"/>
+          <a:chOff x="0" y="0"/>
+          <a:chExt cx="0" cy="0"/>
+        </a:xfrm>
+      </p:grpSpPr>
+      <p:sp>
+        <p:nvSpPr>
+          <p:cNvPr id="2" name="标题 1">
+            <a:extLst>
+              <a:ext uri="{FF2B5EF4-FFF2-40B4-BE49-F238E27FC236}">
+                <a16:creationId xmlns:a16="http://schemas.microsoft.com/office/drawing/2014/main" id="{7839C266-A4B5-45CC-BB02-04CDFC353990}"/>
+              </a:ext>
+            </a:extLst>
+          </p:cNvPr>
+          <p:cNvSpPr>
+            <a:spLocks noGrp="1"/>
+          </p:cNvSpPr>
+          <p:nvPr>
+            <p:ph type="title"/>
+          </p:nvPr>
+        </p:nvSpPr>
+        <p:spPr/>
+        <p:txBody>
+          <a:bodyPr/>
+          <a:lstStyle/>
+          <a:p>
+            <a:r>
+              <a:rPr lang="zh-CN" altLang="en-US" dirty="0">
+                <a:solidFill>
+                  <a:schemeClr val="accent5">
+                    <a:lumMod val="60000"/>
+                    <a:lumOff val="40000"/>
+                  </a:schemeClr>
+                </a:solidFill>
+              </a:rPr>
+              <a:t>工具原理</a:t>
+            </a:r>
+          </a:p>
+        </p:txBody>
+      </p:sp>
+      <p:sp>
+        <p:nvSpPr>
+          <p:cNvPr id="3" name="内容占位符 2">
+            <a:extLst>
+              <a:ext uri="{FF2B5EF4-FFF2-40B4-BE49-F238E27FC236}">
+                <a16:creationId xmlns:a16="http://schemas.microsoft.com/office/drawing/2014/main" id="{F5771432-FEEC-4D3A-885F-0A0B21A96D50}"/>
+              </a:ext>
+            </a:extLst>
+          </p:cNvPr>
+          <p:cNvSpPr>
+            <a:spLocks noGrp="1"/>
+          </p:cNvSpPr>
+          <p:nvPr>
+            <p:ph idx="1"/>
+          </p:nvPr>
+        </p:nvSpPr>
+        <p:spPr/>
+        <p:txBody>
+          <a:bodyPr/>
+          <a:lstStyle/>
+          <a:p>
+            <a:r>
+              <a:rPr lang="zh-CN" altLang="en-US" dirty="0"/>
+              <a:t>符号执行保持着一个符号状态，它将变量映射成符号表达式，还有一个符号路径约束</a:t>
+            </a:r>
+            <a:r>
+              <a:rPr lang="en-US" altLang="zh-CN" dirty="0">
+                <a:solidFill>
+                  <a:srgbClr val="FF0000"/>
+                </a:solidFill>
+              </a:rPr>
+              <a:t>PC</a:t>
+            </a:r>
+            <a:r>
+              <a:rPr lang="zh-CN" altLang="en-US" dirty="0"/>
+              <a:t>，它是一个关于符号表达式的一阶公式。在符号执行的开始阶段，</a:t>
+            </a:r>
+            <a:r>
+              <a:rPr lang="en-US" altLang="zh-CN" dirty="0"/>
+              <a:t>“PC”</a:t>
+            </a:r>
+            <a:r>
+              <a:rPr lang="zh-CN" altLang="en-US" dirty="0"/>
+              <a:t>被初始化为一个空图，</a:t>
+            </a:r>
+            <a:r>
+              <a:rPr lang="en-US" altLang="zh-CN" dirty="0"/>
+              <a:t>“</a:t>
+            </a:r>
+            <a:r>
+              <a:rPr lang="zh-CN" altLang="en-US" dirty="0"/>
+              <a:t>符号路径约束</a:t>
+            </a:r>
+            <a:r>
+              <a:rPr lang="el-GR" altLang="zh-CN" dirty="0">
+                <a:solidFill>
+                  <a:srgbClr val="FF0000"/>
+                </a:solidFill>
+              </a:rPr>
+              <a:t>σ</a:t>
+            </a:r>
+            <a:r>
+              <a:rPr lang="zh-CN" altLang="en-US" dirty="0"/>
+              <a:t> </a:t>
+            </a:r>
+            <a:r>
+              <a:rPr lang="en-US" altLang="zh-CN" dirty="0"/>
+              <a:t>”</a:t>
+            </a:r>
+            <a:r>
+              <a:rPr lang="zh-CN" altLang="en-US" dirty="0"/>
+              <a:t>被初始化为真。在符号执行的过程中，两者都被更新。在沿着程序的执行路径进行的符号执行结束时，</a:t>
+            </a:r>
+            <a:r>
+              <a:rPr lang="en-US" altLang="zh-CN" dirty="0"/>
+              <a:t>PC</a:t>
+            </a:r>
+            <a:r>
+              <a:rPr lang="zh-CN" altLang="en-US" dirty="0"/>
+              <a:t>通过约束解算器生成具体的输入值来解决。如果程序在这些具体的输入值上执行，它将采取与符号执行完全相同的路径，并以同样的方式结束。</a:t>
+            </a:r>
+          </a:p>
+        </p:txBody>
+      </p:sp>
+    </p:spTree>
+    <p:extLst>
+      <p:ext uri="{BB962C8B-B14F-4D97-AF65-F5344CB8AC3E}">
+        <p14:creationId xmlns:p14="http://schemas.microsoft.com/office/powerpoint/2010/main" val="81984671"/>
+      </p:ext>
+    </p:extLst>
+  </p:cSld>
+  <p:clrMapOvr>
+    <a:masterClrMapping/>
+  </p:clrMapOvr>
+  <mc:AlternateContent xmlns:mc="http://schemas.openxmlformats.org/markup-compatibility/2006">
+    <mc:Choice xmlns:p14="http://schemas.microsoft.com/office/powerpoint/2010/main" Requires="p14">
+      <p:transition spd="med" p14:dur="700">
+        <p:fade/>
+      </p:transition>
+    </mc:Choice>
+    <mc:Fallback>
+      <p:transition spd="med">
+        <p:fade/>
+      </p:transition>
+    </mc:Fallback>
+  </mc:AlternateContent>
+</p:sld>
+</file>
+
+<file path=ppt/slides/slide8.xml><?xml version="1.0" encoding="utf-8"?>
+<p:sld xmlns:a="http://schemas.openxmlformats.org/drawingml/2006/main" xmlns:r="http://schemas.openxmlformats.org/officeDocument/2006/relationships" xmlns:p="http://schemas.openxmlformats.org/presentationml/2006/main">
+  <p:cSld>
+    <p:spTree>
+      <p:nvGrpSpPr>
+        <p:cNvPr id="1" name=""/>
+        <p:cNvGrpSpPr/>
+        <p:nvPr/>
+      </p:nvGrpSpPr>
+      <p:grpSpPr>
+        <a:xfrm>
+          <a:off x="0" y="0"/>
+          <a:ext cx="0" cy="0"/>
+          <a:chOff x="0" y="0"/>
+          <a:chExt cx="0" cy="0"/>
+        </a:xfrm>
+      </p:grpSpPr>
+      <p:sp>
+        <p:nvSpPr>
+          <p:cNvPr id="2" name="标题 1">
+            <a:extLst>
+              <a:ext uri="{FF2B5EF4-FFF2-40B4-BE49-F238E27FC236}">
+                <a16:creationId xmlns:a16="http://schemas.microsoft.com/office/drawing/2014/main" id="{595B46D1-7D14-40AA-A68E-D6829A56AF2D}"/>
+              </a:ext>
+            </a:extLst>
+          </p:cNvPr>
+          <p:cNvSpPr>
+            <a:spLocks noGrp="1"/>
+          </p:cNvSpPr>
+          <p:nvPr>
+            <p:ph type="title"/>
+          </p:nvPr>
+        </p:nvSpPr>
+        <p:spPr/>
+        <p:txBody>
+          <a:bodyPr/>
+          <a:lstStyle/>
+          <a:p>
+            <a:r>
+              <a:rPr lang="zh-CN" altLang="en-US" dirty="0">
+                <a:solidFill>
+                  <a:schemeClr val="accent5">
+                    <a:lumMod val="60000"/>
+                    <a:lumOff val="40000"/>
+                  </a:schemeClr>
+                </a:solidFill>
+              </a:rPr>
+              <a:t>工具原理</a:t>
+            </a:r>
+          </a:p>
+        </p:txBody>
+      </p:sp>
+      <p:sp>
+        <p:nvSpPr>
+          <p:cNvPr id="3" name="内容占位符 2">
+            <a:extLst>
+              <a:ext uri="{FF2B5EF4-FFF2-40B4-BE49-F238E27FC236}">
+                <a16:creationId xmlns:a16="http://schemas.microsoft.com/office/drawing/2014/main" id="{815BAE75-6D1E-4188-A147-FC8797C27835}"/>
+              </a:ext>
+            </a:extLst>
+          </p:cNvPr>
+          <p:cNvSpPr>
+            <a:spLocks noGrp="1"/>
+          </p:cNvSpPr>
+          <p:nvPr>
+            <p:ph idx="1"/>
+          </p:nvPr>
+        </p:nvSpPr>
+        <p:spPr/>
+        <p:txBody>
+          <a:bodyPr/>
+          <a:lstStyle/>
+          <a:p>
+            <a:r>
+              <a:rPr lang="zh-CN" altLang="en-US" dirty="0"/>
+              <a:t>实例</a:t>
+            </a:r>
+          </a:p>
+        </p:txBody>
+      </p:sp>
+      <p:pic>
+        <p:nvPicPr>
+          <p:cNvPr id="4" name="图片 3">
+            <a:extLst>
+              <a:ext uri="{FF2B5EF4-FFF2-40B4-BE49-F238E27FC236}">
+                <a16:creationId xmlns:a16="http://schemas.microsoft.com/office/drawing/2014/main" id="{CFF6F8A6-121C-4F0D-B390-6342DDFA99EF}"/>
+              </a:ext>
+            </a:extLst>
+          </p:cNvPr>
+          <p:cNvPicPr>
+            <a:picLocks noChangeAspect="1"/>
+          </p:cNvPicPr>
+          <p:nvPr/>
+        </p:nvPicPr>
+        <p:blipFill>
+          <a:blip r:embed="rId2"/>
+          <a:stretch>
+            <a:fillRect/>
+          </a:stretch>
+        </p:blipFill>
+        <p:spPr>
+          <a:xfrm>
+            <a:off x="1945366" y="1400644"/>
+            <a:ext cx="4709568" cy="4633362"/>
+          </a:xfrm>
+          <a:prstGeom prst="rect">
+            <a:avLst/>
+          </a:prstGeom>
+        </p:spPr>
+      </p:pic>
+      <p:pic>
+        <p:nvPicPr>
+          <p:cNvPr id="5" name="图片 4">
+            <a:extLst>
+              <a:ext uri="{FF2B5EF4-FFF2-40B4-BE49-F238E27FC236}">
+                <a16:creationId xmlns:a16="http://schemas.microsoft.com/office/drawing/2014/main" id="{289F6D15-281D-4013-98F6-2D9945E17BAE}"/>
+              </a:ext>
+            </a:extLst>
+          </p:cNvPr>
+          <p:cNvPicPr>
+            <a:picLocks noChangeAspect="1"/>
+          </p:cNvPicPr>
+          <p:nvPr/>
+        </p:nvPicPr>
+        <p:blipFill>
+          <a:blip r:embed="rId3"/>
+          <a:stretch>
+            <a:fillRect/>
+          </a:stretch>
+        </p:blipFill>
+        <p:spPr>
+          <a:xfrm>
+            <a:off x="6295951" y="1470892"/>
+            <a:ext cx="4938188" cy="4130398"/>
+          </a:xfrm>
+          <a:prstGeom prst="rect">
+            <a:avLst/>
+          </a:prstGeom>
+        </p:spPr>
+      </p:pic>
+    </p:spTree>
+    <p:extLst>
+      <p:ext uri="{BB962C8B-B14F-4D97-AF65-F5344CB8AC3E}">
+        <p14:creationId xmlns:p14="http://schemas.microsoft.com/office/powerpoint/2010/main" val="1517722529"/>
+      </p:ext>
+    </p:extLst>
+  </p:cSld>
+  <p:clrMapOvr>
+    <a:masterClrMapping/>
+  </p:clrMapOvr>
+  <mc:AlternateContent xmlns:mc="http://schemas.openxmlformats.org/markup-compatibility/2006">
+    <mc:Choice xmlns:p14="http://schemas.microsoft.com/office/powerpoint/2010/main" Requires="p14">
+      <p:transition spd="med" p14:dur="700">
+        <p:fade/>
+      </p:transition>
+    </mc:Choice>
+    <mc:Fallback>
+      <p:transition spd="med">
+        <p:fade/>
+      </p:transition>
+    </mc:Fallback>
+  </mc:AlternateContent>
+  <p:timing>
+    <p:tnLst>
+      <p:par>
+        <p:cTn id="1" dur="indefinite" restart="never" nodeType="tmRoot">
+          <p:childTnLst>
+            <p:seq concurrent="1" nextAc="seek">
+              <p:cTn id="2" dur="indefinite" nodeType="mainSeq">
+                <p:childTnLst>
+                  <p:par>
+                    <p:cTn id="3" fill="hold">
+                      <p:stCondLst>
+                        <p:cond delay="indefinite"/>
+                      </p:stCondLst>
+                      <p:childTnLst>
+                        <p:par>
+                          <p:cTn id="4" fill="hold">
+                            <p:stCondLst>
+                              <p:cond delay="0"/>
+                            </p:stCondLst>
+                            <p:childTnLst>
+                              <p:par>
+                                <p:cTn id="5" presetID="10" presetClass="entr" presetSubtype="0" fill="hold" nodeType="clickEffect">
+                                  <p:stCondLst>
+                                    <p:cond delay="0"/>
+                                  </p:stCondLst>
+                                  <p:childTnLst>
+                                    <p:set>
+                                      <p:cBhvr>
+                                        <p:cTn id="6" dur="1" fill="hold">
+                                          <p:stCondLst>
+                                            <p:cond delay="0"/>
+                                          </p:stCondLst>
+                                        </p:cTn>
+                                        <p:tgtEl>
+                                          <p:spTgt spid="4"/>
+                                        </p:tgtEl>
+                                        <p:attrNameLst>
+                                          <p:attrName>style.visibility</p:attrName>
+                                        </p:attrNameLst>
+                                      </p:cBhvr>
+                                      <p:to>
+                                        <p:strVal val="visible"/>
+                                      </p:to>
+                                    </p:set>
+                                    <p:animEffect transition="in" filter="fade">
+                                      <p:cBhvr>
+                                        <p:cTn id="7" dur="500"/>
+                                        <p:tgtEl>
+                                          <p:spTgt spid="4"/>
+                                        </p:tgtEl>
+                                      </p:cBhvr>
+                                    </p:animEffect>
+                                  </p:childTnLst>
+                                </p:cTn>
+                              </p:par>
+                            </p:childTnLst>
+                          </p:cTn>
+                        </p:par>
+                      </p:childTnLst>
+                    </p:cTn>
+                  </p:par>
+                  <p:par>
+                    <p:cTn id="8" fill="hold">
+                      <p:stCondLst>
+                        <p:cond delay="indefinite"/>
+                      </p:stCondLst>
+                      <p:childTnLst>
+                        <p:par>
+                          <p:cTn id="9" fill="hold">
+                            <p:stCondLst>
+                              <p:cond delay="0"/>
+                            </p:stCondLst>
+                            <p:childTnLst>
+                              <p:par>
+                                <p:cTn id="10" presetID="10" presetClass="entr" presetSubtype="0" fill="hold" nodeType="clickEffect">
+                                  <p:stCondLst>
+                                    <p:cond delay="0"/>
+                                  </p:stCondLst>
+                                  <p:childTnLst>
+                                    <p:set>
+                                      <p:cBhvr>
+                                        <p:cTn id="11" dur="1" fill="hold">
+                                          <p:stCondLst>
+                                            <p:cond delay="0"/>
+                                          </p:stCondLst>
+                                        </p:cTn>
+                                        <p:tgtEl>
+                                          <p:spTgt spid="5"/>
+                                        </p:tgtEl>
+                                        <p:attrNameLst>
+                                          <p:attrName>style.visibility</p:attrName>
+                                        </p:attrNameLst>
+                                      </p:cBhvr>
+                                      <p:to>
+                                        <p:strVal val="visible"/>
+                                      </p:to>
+                                    </p:set>
+                                    <p:animEffect transition="in" filter="fade">
+                                      <p:cBhvr>
+                                        <p:cTn id="12" dur="500"/>
+                                        <p:tgtEl>
+                                          <p:spTgt spid="5"/>
+                                        </p:tgtEl>
+                                      </p:cBhvr>
+                                    </p:animEffect>
+                                  </p:childTnLst>
+                                </p:cTn>
+                              </p:par>
+                            </p:childTnLst>
+                          </p:cTn>
+                        </p:par>
+                      </p:childTnLst>
+                    </p:cTn>
+                  </p:par>
+                </p:childTnLst>
+              </p:cTn>
+              <p:prevCondLst>
+                <p:cond evt="onPrev" delay="0">
+                  <p:tgtEl>
+                    <p:sldTgt/>
+                  </p:tgtEl>
+                </p:cond>
+              </p:prevCondLst>
+              <p:nextCondLst>
+                <p:cond evt="onNext" delay="0">
+                  <p:tgtEl>
+                    <p:sldTgt/>
+                  </p:tgtEl>
+                </p:cond>
+              </p:nextCondLst>
+            </p:seq>
+          </p:childTnLst>
+        </p:cTn>
+      </p:par>
+    </p:tnLst>
+  </p:timing>
+</p:sld>
+</file>
+
+<file path=ppt/slides/slide9.xml><?xml version="1.0" encoding="utf-8"?>
+<p:sld xmlns:a="http://schemas.openxmlformats.org/drawingml/2006/main" xmlns:r="http://schemas.openxmlformats.org/officeDocument/2006/relationships" xmlns:p="http://schemas.openxmlformats.org/presentationml/2006/main">
+  <p:cSld>
+    <p:spTree>
+      <p:nvGrpSpPr>
+        <p:cNvPr id="1" name=""/>
+        <p:cNvGrpSpPr/>
+        <p:nvPr/>
+      </p:nvGrpSpPr>
+      <p:grpSpPr>
+        <a:xfrm>
+          <a:off x="0" y="0"/>
+          <a:ext cx="0" cy="0"/>
+          <a:chOff x="0" y="0"/>
+          <a:chExt cx="0" cy="0"/>
+        </a:xfrm>
+      </p:grpSpPr>
+      <p:sp>
+        <p:nvSpPr>
+          <p:cNvPr id="2" name="标题 1">
+            <a:extLst>
+              <a:ext uri="{FF2B5EF4-FFF2-40B4-BE49-F238E27FC236}">
+                <a16:creationId xmlns:a16="http://schemas.microsoft.com/office/drawing/2014/main" id="{D6E3F008-7BB6-4971-871D-F9203207FEF3}"/>
+              </a:ext>
+            </a:extLst>
+          </p:cNvPr>
+          <p:cNvSpPr>
+            <a:spLocks noGrp="1"/>
+          </p:cNvSpPr>
+          <p:nvPr>
+            <p:ph type="title"/>
+          </p:nvPr>
+        </p:nvSpPr>
+        <p:spPr/>
+        <p:txBody>
+          <a:bodyPr/>
+          <a:lstStyle/>
+          <a:p>
+            <a:r>
+              <a:rPr lang="zh-CN" altLang="en-US" dirty="0">
+                <a:solidFill>
+                  <a:schemeClr val="accent5">
+                    <a:lumMod val="60000"/>
+                    <a:lumOff val="40000"/>
+                  </a:schemeClr>
+                </a:solidFill>
+              </a:rPr>
+              <a:t>具体实现</a:t>
+            </a:r>
+          </a:p>
+        </p:txBody>
+      </p:sp>
+      <p:sp>
+        <p:nvSpPr>
+          <p:cNvPr id="3" name="内容占位符 2">
+            <a:extLst>
+              <a:ext uri="{FF2B5EF4-FFF2-40B4-BE49-F238E27FC236}">
+                <a16:creationId xmlns:a16="http://schemas.microsoft.com/office/drawing/2014/main" id="{3EAAFAF1-19E0-4040-B37D-91C1AD37B1B0}"/>
+              </a:ext>
+            </a:extLst>
+          </p:cNvPr>
+          <p:cNvSpPr>
+            <a:spLocks noGrp="1"/>
+          </p:cNvSpPr>
+          <p:nvPr>
+            <p:ph idx="1"/>
+          </p:nvPr>
+        </p:nvSpPr>
+        <p:spPr/>
+        <p:txBody>
+          <a:bodyPr/>
+          <a:lstStyle/>
+          <a:p>
+            <a:r>
+              <a:rPr lang="en-US" altLang="zh-CN" dirty="0"/>
+              <a:t>Step1</a:t>
+            </a:r>
+            <a:r>
+              <a:rPr lang="zh-CN" altLang="en-US" dirty="0"/>
+              <a:t>：利用</a:t>
+            </a:r>
+            <a:r>
+              <a:rPr lang="en-US" altLang="zh-CN" dirty="0"/>
+              <a:t>ASM</a:t>
+            </a:r>
+            <a:r>
+              <a:rPr lang="zh-CN" altLang="en-US" dirty="0"/>
+              <a:t>程序分析库完成对目标程序的符号状态分析</a:t>
+            </a:r>
+            <a:endParaRPr lang="en-US" altLang="zh-CN" dirty="0"/>
+          </a:p>
+          <a:p>
+            <a:pPr lvl="1"/>
+            <a:r>
+              <a:rPr lang="en-US" altLang="zh-CN" dirty="0">
+                <a:solidFill>
+                  <a:srgbClr val="FF0000"/>
+                </a:solidFill>
+              </a:rPr>
+              <a:t>ASM</a:t>
+            </a:r>
+            <a:r>
+              <a:rPr lang="zh-CN" altLang="en-US" dirty="0"/>
+              <a:t>： </a:t>
+            </a:r>
+            <a:r>
+              <a:rPr lang="en-US" altLang="zh-CN" dirty="0"/>
+              <a:t>ASM </a:t>
+            </a:r>
+            <a:r>
+              <a:rPr lang="zh-CN" altLang="en-US" dirty="0"/>
+              <a:t>是一个 </a:t>
+            </a:r>
+            <a:r>
+              <a:rPr lang="en-US" altLang="zh-CN" dirty="0"/>
+              <a:t>Java </a:t>
+            </a:r>
+            <a:r>
+              <a:rPr lang="zh-CN" altLang="en-US" dirty="0"/>
+              <a:t>字节码操控框架。它能被用来动态生成类或者增强既有类的功能。</a:t>
+            </a:r>
+            <a:endParaRPr lang="en-US" altLang="zh-CN" dirty="0"/>
+          </a:p>
+          <a:p>
+            <a:pPr lvl="1"/>
+            <a:r>
+              <a:rPr lang="zh-CN" altLang="en-US" dirty="0"/>
+              <a:t>本次工具复现使用的是</a:t>
+            </a:r>
+            <a:r>
+              <a:rPr lang="en-US" altLang="zh-CN" dirty="0">
+                <a:solidFill>
+                  <a:srgbClr val="FF0000"/>
+                </a:solidFill>
+              </a:rPr>
+              <a:t>ASM3</a:t>
+            </a:r>
+          </a:p>
+        </p:txBody>
+      </p:sp>
+    </p:spTree>
+    <p:extLst>
+      <p:ext uri="{BB962C8B-B14F-4D97-AF65-F5344CB8AC3E}">
+        <p14:creationId xmlns:p14="http://schemas.microsoft.com/office/powerpoint/2010/main" val="2990860259"/>
+      </p:ext>
+    </p:extLst>
+  </p:cSld>
+  <p:clrMapOvr>
+    <a:masterClrMapping/>
+  </p:clrMapOvr>
+  <mc:AlternateContent xmlns:mc="http://schemas.openxmlformats.org/markup-compatibility/2006">
+    <mc:Choice xmlns:p14="http://schemas.microsoft.com/office/powerpoint/2010/main" Requires="p14">
+      <p:transition spd="med" p14:dur="700">
+        <p:fade/>
+      </p:transition>
+    </mc:Choice>
+    <mc:Fallback>
+      <p:transition spd="med">
+        <p:fade/>
+      </p:transition>
+    </mc:Fallback>
+  </mc:AlternateContent>
 </p:sld>
 </file>
 
